--- a/Slides_MICRO58/0.tutorial_introduction.pptx
+++ b/Slides_MICRO58/0.tutorial_introduction.pptx
@@ -6,16 +6,17 @@
     <p:sldMasterId id="2147483685" r:id="rId5"/>
   </p:sldMasterIdLst>
   <p:notesMasterIdLst>
-    <p:notesMasterId r:id="rId10"/>
+    <p:notesMasterId r:id="rId11"/>
   </p:notesMasterIdLst>
   <p:handoutMasterIdLst>
-    <p:handoutMasterId r:id="rId11"/>
+    <p:handoutMasterId r:id="rId12"/>
   </p:handoutMasterIdLst>
   <p:sldIdLst>
     <p:sldId id="407" r:id="rId6"/>
     <p:sldId id="426" r:id="rId7"/>
     <p:sldId id="427" r:id="rId8"/>
     <p:sldId id="428" r:id="rId9"/>
+    <p:sldId id="429" r:id="rId10"/>
   </p:sldIdLst>
   <p:sldSz cx="9144000" cy="6858000" type="screen4x3"/>
   <p:notesSz cx="6858000" cy="9144000"/>
@@ -224,7 +225,7 @@
           <a:p>
             <a:fld id="{26E932E0-F164-2746-ADA5-4F45859D8893}" type="datetimeFigureOut">
               <a:rPr lang="en-US" smtClean="0"/>
-              <a:t>11/1/24</a:t>
+              <a:t>10/17/25</a:t>
             </a:fld>
             <a:endParaRPr lang="en-US"/>
           </a:p>
@@ -389,7 +390,7 @@
           <a:p>
             <a:fld id="{E44372BE-B13D-B048-A865-72B4BC4A8D17}" type="datetimeFigureOut">
               <a:rPr lang="en-US" smtClean="0"/>
-              <a:t>11/1/24</a:t>
+              <a:t>10/17/25</a:t>
             </a:fld>
             <a:endParaRPr lang="en-US"/>
           </a:p>
@@ -9454,357 +9455,2276 @@
           </a:p>
         </p:txBody>
       </p:sp>
-      <p:sp>
-        <p:nvSpPr>
-          <p:cNvPr id="5" name="TextBox 4">
+      <p:graphicFrame>
+        <p:nvGraphicFramePr>
+          <p:cNvPr id="3" name="Table 2">
             <a:extLst>
               <a:ext uri="{FF2B5EF4-FFF2-40B4-BE49-F238E27FC236}">
-                <a16:creationId xmlns:a16="http://schemas.microsoft.com/office/drawing/2014/main" id="{854670D9-9ABC-6E7E-C621-29D8FFC5068C}"/>
+                <a16:creationId xmlns:a16="http://schemas.microsoft.com/office/drawing/2014/main" id="{4C0A27A1-4579-F90D-8CD7-C224BA9FD1D0}"/>
               </a:ext>
             </a:extLst>
           </p:cNvPr>
-          <p:cNvSpPr txBox="1"/>
+          <p:cNvGraphicFramePr>
+            <a:graphicFrameLocks noGrp="1"/>
+          </p:cNvGraphicFramePr>
           <p:nvPr/>
-        </p:nvSpPr>
-        <p:spPr>
+        </p:nvGraphicFramePr>
+        <p:xfrm>
+          <a:off x="1067400" y="1303338"/>
+          <a:ext cx="7009200" cy="5010149"/>
+        </p:xfrm>
+        <a:graphic>
+          <a:graphicData uri="http://schemas.openxmlformats.org/drawingml/2006/table">
+            <a:tbl>
+              <a:tblPr/>
+              <a:tblGrid>
+                <a:gridCol w="1752300">
+                  <a:extLst>
+                    <a:ext uri="{9D8B030D-6E8A-4147-A177-3AD203B41FA5}">
+                      <a16:colId xmlns:a16="http://schemas.microsoft.com/office/drawing/2014/main" val="3973314532"/>
+                    </a:ext>
+                  </a:extLst>
+                </a:gridCol>
+                <a:gridCol w="1752300">
+                  <a:extLst>
+                    <a:ext uri="{9D8B030D-6E8A-4147-A177-3AD203B41FA5}">
+                      <a16:colId xmlns:a16="http://schemas.microsoft.com/office/drawing/2014/main" val="3426093848"/>
+                    </a:ext>
+                  </a:extLst>
+                </a:gridCol>
+                <a:gridCol w="1752300">
+                  <a:extLst>
+                    <a:ext uri="{9D8B030D-6E8A-4147-A177-3AD203B41FA5}">
+                      <a16:colId xmlns:a16="http://schemas.microsoft.com/office/drawing/2014/main" val="2800342156"/>
+                    </a:ext>
+                  </a:extLst>
+                </a:gridCol>
+                <a:gridCol w="1752300">
+                  <a:extLst>
+                    <a:ext uri="{9D8B030D-6E8A-4147-A177-3AD203B41FA5}">
+                      <a16:colId xmlns:a16="http://schemas.microsoft.com/office/drawing/2014/main" val="90628533"/>
+                    </a:ext>
+                  </a:extLst>
+                </a:gridCol>
+              </a:tblGrid>
+              <a:tr h="326332">
+                <a:tc>
+                  <a:txBody>
+                    <a:bodyPr/>
+                    <a:lstStyle/>
+                    <a:p>
+                      <a:pPr>
+                        <a:buNone/>
+                      </a:pPr>
+                      <a:r>
+                        <a:rPr lang="en-US" sz="1500" b="1">
+                          <a:effectLst/>
+                        </a:rPr>
+                        <a:t>Time</a:t>
+                      </a:r>
+                    </a:p>
+                  </a:txBody>
+                  <a:tcPr marL="103978" marR="103978" marT="47990" marB="47990" anchor="ctr">
+                    <a:lnL w="9525" cap="flat" cmpd="sng" algn="ctr">
+                      <a:solidFill>
+                        <a:srgbClr val="D1D9E0"/>
+                      </a:solidFill>
+                      <a:prstDash val="solid"/>
+                      <a:round/>
+                      <a:headEnd type="none" w="med" len="med"/>
+                      <a:tailEnd type="none" w="med" len="med"/>
+                    </a:lnL>
+                    <a:lnR w="9525" cap="flat" cmpd="sng" algn="ctr">
+                      <a:solidFill>
+                        <a:srgbClr val="D1D9E0"/>
+                      </a:solidFill>
+                      <a:prstDash val="solid"/>
+                      <a:round/>
+                      <a:headEnd type="none" w="med" len="med"/>
+                      <a:tailEnd type="none" w="med" len="med"/>
+                    </a:lnR>
+                    <a:lnT w="9525" cap="flat" cmpd="sng" algn="ctr">
+                      <a:solidFill>
+                        <a:srgbClr val="D1D9E0"/>
+                      </a:solidFill>
+                      <a:prstDash val="solid"/>
+                      <a:round/>
+                      <a:headEnd type="none" w="med" len="med"/>
+                      <a:tailEnd type="none" w="med" len="med"/>
+                    </a:lnT>
+                    <a:lnB w="9525" cap="flat" cmpd="sng" algn="ctr">
+                      <a:solidFill>
+                        <a:srgbClr val="D1D9E0"/>
+                      </a:solidFill>
+                      <a:prstDash val="solid"/>
+                      <a:round/>
+                      <a:headEnd type="none" w="med" len="med"/>
+                      <a:tailEnd type="none" w="med" len="med"/>
+                    </a:lnB>
+                    <a:solidFill>
+                      <a:srgbClr val="FFFFFF"/>
+                    </a:solidFill>
+                  </a:tcPr>
+                </a:tc>
+                <a:tc>
+                  <a:txBody>
+                    <a:bodyPr/>
+                    <a:lstStyle/>
+                    <a:p>
+                      <a:pPr>
+                        <a:buNone/>
+                      </a:pPr>
+                      <a:r>
+                        <a:rPr lang="en-US" sz="1500" b="1">
+                          <a:effectLst/>
+                        </a:rPr>
+                        <a:t>Contents</a:t>
+                      </a:r>
+                    </a:p>
+                  </a:txBody>
+                  <a:tcPr marL="103978" marR="103978" marT="47990" marB="47990" anchor="ctr">
+                    <a:lnL w="9525" cap="flat" cmpd="sng" algn="ctr">
+                      <a:solidFill>
+                        <a:srgbClr val="D1D9E0"/>
+                      </a:solidFill>
+                      <a:prstDash val="solid"/>
+                      <a:round/>
+                      <a:headEnd type="none" w="med" len="med"/>
+                      <a:tailEnd type="none" w="med" len="med"/>
+                    </a:lnL>
+                    <a:lnR w="9525" cap="flat" cmpd="sng" algn="ctr">
+                      <a:solidFill>
+                        <a:srgbClr val="D1D9E0"/>
+                      </a:solidFill>
+                      <a:prstDash val="solid"/>
+                      <a:round/>
+                      <a:headEnd type="none" w="med" len="med"/>
+                      <a:tailEnd type="none" w="med" len="med"/>
+                    </a:lnR>
+                    <a:lnT w="9525" cap="flat" cmpd="sng" algn="ctr">
+                      <a:solidFill>
+                        <a:srgbClr val="D1D9E0"/>
+                      </a:solidFill>
+                      <a:prstDash val="solid"/>
+                      <a:round/>
+                      <a:headEnd type="none" w="med" len="med"/>
+                      <a:tailEnd type="none" w="med" len="med"/>
+                    </a:lnT>
+                    <a:lnB w="9525" cap="flat" cmpd="sng" algn="ctr">
+                      <a:solidFill>
+                        <a:srgbClr val="D1D9E0"/>
+                      </a:solidFill>
+                      <a:prstDash val="solid"/>
+                      <a:round/>
+                      <a:headEnd type="none" w="med" len="med"/>
+                      <a:tailEnd type="none" w="med" len="med"/>
+                    </a:lnB>
+                    <a:solidFill>
+                      <a:srgbClr val="FFFFFF"/>
+                    </a:solidFill>
+                  </a:tcPr>
+                </a:tc>
+                <a:tc>
+                  <a:txBody>
+                    <a:bodyPr/>
+                    <a:lstStyle/>
+                    <a:p>
+                      <a:pPr>
+                        <a:buNone/>
+                      </a:pPr>
+                      <a:r>
+                        <a:rPr lang="en-US" sz="1500" b="1">
+                          <a:effectLst/>
+                        </a:rPr>
+                        <a:t>Presenter</a:t>
+                      </a:r>
+                    </a:p>
+                  </a:txBody>
+                  <a:tcPr marL="103978" marR="103978" marT="47990" marB="47990" anchor="ctr">
+                    <a:lnL w="9525" cap="flat" cmpd="sng" algn="ctr">
+                      <a:solidFill>
+                        <a:srgbClr val="D1D9E0"/>
+                      </a:solidFill>
+                      <a:prstDash val="solid"/>
+                      <a:round/>
+                      <a:headEnd type="none" w="med" len="med"/>
+                      <a:tailEnd type="none" w="med" len="med"/>
+                    </a:lnL>
+                    <a:lnR w="9525" cap="flat" cmpd="sng" algn="ctr">
+                      <a:solidFill>
+                        <a:srgbClr val="D1D9E0"/>
+                      </a:solidFill>
+                      <a:prstDash val="solid"/>
+                      <a:round/>
+                      <a:headEnd type="none" w="med" len="med"/>
+                      <a:tailEnd type="none" w="med" len="med"/>
+                    </a:lnR>
+                    <a:lnT w="9525" cap="flat" cmpd="sng" algn="ctr">
+                      <a:solidFill>
+                        <a:srgbClr val="D1D9E0"/>
+                      </a:solidFill>
+                      <a:prstDash val="solid"/>
+                      <a:round/>
+                      <a:headEnd type="none" w="med" len="med"/>
+                      <a:tailEnd type="none" w="med" len="med"/>
+                    </a:lnT>
+                    <a:lnB w="9525" cap="flat" cmpd="sng" algn="ctr">
+                      <a:solidFill>
+                        <a:srgbClr val="D1D9E0"/>
+                      </a:solidFill>
+                      <a:prstDash val="solid"/>
+                      <a:round/>
+                      <a:headEnd type="none" w="med" len="med"/>
+                      <a:tailEnd type="none" w="med" len="med"/>
+                    </a:lnB>
+                    <a:solidFill>
+                      <a:srgbClr val="FFFFFF"/>
+                    </a:solidFill>
+                  </a:tcPr>
+                </a:tc>
+                <a:tc>
+                  <a:txBody>
+                    <a:bodyPr/>
+                    <a:lstStyle/>
+                    <a:p>
+                      <a:pPr>
+                        <a:buNone/>
+                      </a:pPr>
+                      <a:r>
+                        <a:rPr lang="en-US" sz="1500" b="1">
+                          <a:effectLst/>
+                        </a:rPr>
+                        <a:t>slides</a:t>
+                      </a:r>
+                    </a:p>
+                  </a:txBody>
+                  <a:tcPr marL="103978" marR="103978" marT="47990" marB="47990" anchor="ctr">
+                    <a:lnL w="9525" cap="flat" cmpd="sng" algn="ctr">
+                      <a:solidFill>
+                        <a:srgbClr val="D1D9E0"/>
+                      </a:solidFill>
+                      <a:prstDash val="solid"/>
+                      <a:round/>
+                      <a:headEnd type="none" w="med" len="med"/>
+                      <a:tailEnd type="none" w="med" len="med"/>
+                    </a:lnL>
+                    <a:lnR w="9525" cap="flat" cmpd="sng" algn="ctr">
+                      <a:solidFill>
+                        <a:srgbClr val="D1D9E0"/>
+                      </a:solidFill>
+                      <a:prstDash val="solid"/>
+                      <a:round/>
+                      <a:headEnd type="none" w="med" len="med"/>
+                      <a:tailEnd type="none" w="med" len="med"/>
+                    </a:lnR>
+                    <a:lnT w="9525" cap="flat" cmpd="sng" algn="ctr">
+                      <a:solidFill>
+                        <a:srgbClr val="D1D9E0"/>
+                      </a:solidFill>
+                      <a:prstDash val="solid"/>
+                      <a:round/>
+                      <a:headEnd type="none" w="med" len="med"/>
+                      <a:tailEnd type="none" w="med" len="med"/>
+                    </a:lnT>
+                    <a:lnB w="9525" cap="flat" cmpd="sng" algn="ctr">
+                      <a:solidFill>
+                        <a:srgbClr val="D1D9E0"/>
+                      </a:solidFill>
+                      <a:prstDash val="solid"/>
+                      <a:round/>
+                      <a:headEnd type="none" w="med" len="med"/>
+                      <a:tailEnd type="none" w="med" len="med"/>
+                    </a:lnB>
+                    <a:solidFill>
+                      <a:srgbClr val="FFFFFF"/>
+                    </a:solidFill>
+                  </a:tcPr>
+                </a:tc>
+                <a:extLst>
+                  <a:ext uri="{0D108BD9-81ED-4DB2-BD59-A6C34878D82A}">
+                    <a16:rowId xmlns:a16="http://schemas.microsoft.com/office/drawing/2014/main" val="3720028394"/>
+                  </a:ext>
+                </a:extLst>
+              </a:tr>
+              <a:tr h="556683">
+                <a:tc>
+                  <a:txBody>
+                    <a:bodyPr/>
+                    <a:lstStyle/>
+                    <a:p>
+                      <a:pPr>
+                        <a:buNone/>
+                      </a:pPr>
+                      <a:r>
+                        <a:rPr lang="en-US" sz="1500">
+                          <a:effectLst/>
+                        </a:rPr>
+                        <a:t>8:00-8:10</a:t>
+                      </a:r>
+                    </a:p>
+                  </a:txBody>
+                  <a:tcPr marL="103978" marR="103978" marT="47990" marB="47990" anchor="ctr">
+                    <a:lnL w="9525" cap="flat" cmpd="sng" algn="ctr">
+                      <a:solidFill>
+                        <a:srgbClr val="D1D9E0"/>
+                      </a:solidFill>
+                      <a:prstDash val="solid"/>
+                      <a:round/>
+                      <a:headEnd type="none" w="med" len="med"/>
+                      <a:tailEnd type="none" w="med" len="med"/>
+                    </a:lnL>
+                    <a:lnR w="9525" cap="flat" cmpd="sng" algn="ctr">
+                      <a:solidFill>
+                        <a:srgbClr val="D1D9E0"/>
+                      </a:solidFill>
+                      <a:prstDash val="solid"/>
+                      <a:round/>
+                      <a:headEnd type="none" w="med" len="med"/>
+                      <a:tailEnd type="none" w="med" len="med"/>
+                    </a:lnR>
+                    <a:lnT w="9525" cap="flat" cmpd="sng" algn="ctr">
+                      <a:solidFill>
+                        <a:srgbClr val="D1D9E0"/>
+                      </a:solidFill>
+                      <a:prstDash val="solid"/>
+                      <a:round/>
+                      <a:headEnd type="none" w="med" len="med"/>
+                      <a:tailEnd type="none" w="med" len="med"/>
+                    </a:lnT>
+                    <a:lnB w="9525" cap="flat" cmpd="sng" algn="ctr">
+                      <a:solidFill>
+                        <a:srgbClr val="D1D9E0"/>
+                      </a:solidFill>
+                      <a:prstDash val="solid"/>
+                      <a:round/>
+                      <a:headEnd type="none" w="med" len="med"/>
+                      <a:tailEnd type="none" w="med" len="med"/>
+                    </a:lnB>
+                    <a:solidFill>
+                      <a:srgbClr val="FFFFFF"/>
+                    </a:solidFill>
+                  </a:tcPr>
+                </a:tc>
+                <a:tc>
+                  <a:txBody>
+                    <a:bodyPr/>
+                    <a:lstStyle/>
+                    <a:p>
+                      <a:pPr>
+                        <a:buNone/>
+                      </a:pPr>
+                      <a:r>
+                        <a:rPr lang="en-US" sz="1500">
+                          <a:effectLst/>
+                        </a:rPr>
+                        <a:t>Intro and GPU background</a:t>
+                      </a:r>
+                    </a:p>
+                  </a:txBody>
+                  <a:tcPr marL="103978" marR="103978" marT="47990" marB="47990" anchor="ctr">
+                    <a:lnL w="9525" cap="flat" cmpd="sng" algn="ctr">
+                      <a:solidFill>
+                        <a:srgbClr val="D1D9E0"/>
+                      </a:solidFill>
+                      <a:prstDash val="solid"/>
+                      <a:round/>
+                      <a:headEnd type="none" w="med" len="med"/>
+                      <a:tailEnd type="none" w="med" len="med"/>
+                    </a:lnL>
+                    <a:lnR w="9525" cap="flat" cmpd="sng" algn="ctr">
+                      <a:solidFill>
+                        <a:srgbClr val="D1D9E0"/>
+                      </a:solidFill>
+                      <a:prstDash val="solid"/>
+                      <a:round/>
+                      <a:headEnd type="none" w="med" len="med"/>
+                      <a:tailEnd type="none" w="med" len="med"/>
+                    </a:lnR>
+                    <a:lnT w="9525" cap="flat" cmpd="sng" algn="ctr">
+                      <a:solidFill>
+                        <a:srgbClr val="D1D9E0"/>
+                      </a:solidFill>
+                      <a:prstDash val="solid"/>
+                      <a:round/>
+                      <a:headEnd type="none" w="med" len="med"/>
+                      <a:tailEnd type="none" w="med" len="med"/>
+                    </a:lnT>
+                    <a:lnB w="9525" cap="flat" cmpd="sng" algn="ctr">
+                      <a:solidFill>
+                        <a:srgbClr val="D1D9E0"/>
+                      </a:solidFill>
+                      <a:prstDash val="solid"/>
+                      <a:round/>
+                      <a:headEnd type="none" w="med" len="med"/>
+                      <a:tailEnd type="none" w="med" len="med"/>
+                    </a:lnB>
+                    <a:solidFill>
+                      <a:srgbClr val="FFFFFF"/>
+                    </a:solidFill>
+                  </a:tcPr>
+                </a:tc>
+                <a:tc>
+                  <a:txBody>
+                    <a:bodyPr/>
+                    <a:lstStyle/>
+                    <a:p>
+                      <a:pPr>
+                        <a:buNone/>
+                      </a:pPr>
+                      <a:r>
+                        <a:rPr lang="en-US" sz="1500">
+                          <a:effectLst/>
+                        </a:rPr>
+                        <a:t>Hyesoon Kim</a:t>
+                      </a:r>
+                    </a:p>
+                  </a:txBody>
+                  <a:tcPr marL="103978" marR="103978" marT="47990" marB="47990" anchor="ctr">
+                    <a:lnL w="9525" cap="flat" cmpd="sng" algn="ctr">
+                      <a:solidFill>
+                        <a:srgbClr val="D1D9E0"/>
+                      </a:solidFill>
+                      <a:prstDash val="solid"/>
+                      <a:round/>
+                      <a:headEnd type="none" w="med" len="med"/>
+                      <a:tailEnd type="none" w="med" len="med"/>
+                    </a:lnL>
+                    <a:lnR w="9525" cap="flat" cmpd="sng" algn="ctr">
+                      <a:solidFill>
+                        <a:srgbClr val="D1D9E0"/>
+                      </a:solidFill>
+                      <a:prstDash val="solid"/>
+                      <a:round/>
+                      <a:headEnd type="none" w="med" len="med"/>
+                      <a:tailEnd type="none" w="med" len="med"/>
+                    </a:lnR>
+                    <a:lnT w="9525" cap="flat" cmpd="sng" algn="ctr">
+                      <a:solidFill>
+                        <a:srgbClr val="D1D9E0"/>
+                      </a:solidFill>
+                      <a:prstDash val="solid"/>
+                      <a:round/>
+                      <a:headEnd type="none" w="med" len="med"/>
+                      <a:tailEnd type="none" w="med" len="med"/>
+                    </a:lnT>
+                    <a:lnB w="9525" cap="flat" cmpd="sng" algn="ctr">
+                      <a:solidFill>
+                        <a:srgbClr val="D1D9E0"/>
+                      </a:solidFill>
+                      <a:prstDash val="solid"/>
+                      <a:round/>
+                      <a:headEnd type="none" w="med" len="med"/>
+                      <a:tailEnd type="none" w="med" len="med"/>
+                    </a:lnB>
+                    <a:solidFill>
+                      <a:srgbClr val="FFFFFF"/>
+                    </a:solidFill>
+                  </a:tcPr>
+                </a:tc>
+                <a:tc>
+                  <a:txBody>
+                    <a:bodyPr/>
+                    <a:lstStyle/>
+                    <a:p>
+                      <a:pPr>
+                        <a:buNone/>
+                      </a:pPr>
+                      <a:endParaRPr lang="en-US" sz="1500">
+                        <a:effectLst/>
+                      </a:endParaRPr>
+                    </a:p>
+                  </a:txBody>
+                  <a:tcPr marL="103978" marR="103978" marT="47990" marB="47990" anchor="ctr">
+                    <a:lnL w="9525" cap="flat" cmpd="sng" algn="ctr">
+                      <a:solidFill>
+                        <a:srgbClr val="D1D9E0"/>
+                      </a:solidFill>
+                      <a:prstDash val="solid"/>
+                      <a:round/>
+                      <a:headEnd type="none" w="med" len="med"/>
+                      <a:tailEnd type="none" w="med" len="med"/>
+                    </a:lnL>
+                    <a:lnR w="9525" cap="flat" cmpd="sng" algn="ctr">
+                      <a:solidFill>
+                        <a:srgbClr val="D1D9E0"/>
+                      </a:solidFill>
+                      <a:prstDash val="solid"/>
+                      <a:round/>
+                      <a:headEnd type="none" w="med" len="med"/>
+                      <a:tailEnd type="none" w="med" len="med"/>
+                    </a:lnR>
+                    <a:lnT w="9525" cap="flat" cmpd="sng" algn="ctr">
+                      <a:solidFill>
+                        <a:srgbClr val="D1D9E0"/>
+                      </a:solidFill>
+                      <a:prstDash val="solid"/>
+                      <a:round/>
+                      <a:headEnd type="none" w="med" len="med"/>
+                      <a:tailEnd type="none" w="med" len="med"/>
+                    </a:lnT>
+                    <a:lnB w="9525" cap="flat" cmpd="sng" algn="ctr">
+                      <a:solidFill>
+                        <a:srgbClr val="D1D9E0"/>
+                      </a:solidFill>
+                      <a:prstDash val="solid"/>
+                      <a:round/>
+                      <a:headEnd type="none" w="med" len="med"/>
+                      <a:tailEnd type="none" w="med" len="med"/>
+                    </a:lnB>
+                    <a:solidFill>
+                      <a:srgbClr val="FFFFFF"/>
+                    </a:solidFill>
+                  </a:tcPr>
+                </a:tc>
+                <a:extLst>
+                  <a:ext uri="{0D108BD9-81ED-4DB2-BD59-A6C34878D82A}">
+                    <a16:rowId xmlns:a16="http://schemas.microsoft.com/office/drawing/2014/main" val="3978109111"/>
+                  </a:ext>
+                </a:extLst>
+              </a:tr>
+              <a:tr h="787035">
+                <a:tc>
+                  <a:txBody>
+                    <a:bodyPr/>
+                    <a:lstStyle/>
+                    <a:p>
+                      <a:pPr>
+                        <a:buNone/>
+                      </a:pPr>
+                      <a:r>
+                        <a:rPr lang="en-US" sz="1500">
+                          <a:effectLst/>
+                        </a:rPr>
+                        <a:t>8:10-9:10</a:t>
+                      </a:r>
+                    </a:p>
+                  </a:txBody>
+                  <a:tcPr marL="103978" marR="103978" marT="47990" marB="47990" anchor="ctr">
+                    <a:lnL w="9525" cap="flat" cmpd="sng" algn="ctr">
+                      <a:solidFill>
+                        <a:srgbClr val="D1D9E0"/>
+                      </a:solidFill>
+                      <a:prstDash val="solid"/>
+                      <a:round/>
+                      <a:headEnd type="none" w="med" len="med"/>
+                      <a:tailEnd type="none" w="med" len="med"/>
+                    </a:lnL>
+                    <a:lnR w="9525" cap="flat" cmpd="sng" algn="ctr">
+                      <a:solidFill>
+                        <a:srgbClr val="D1D9E0"/>
+                      </a:solidFill>
+                      <a:prstDash val="solid"/>
+                      <a:round/>
+                      <a:headEnd type="none" w="med" len="med"/>
+                      <a:tailEnd type="none" w="med" len="med"/>
+                    </a:lnR>
+                    <a:lnT w="9525" cap="flat" cmpd="sng" algn="ctr">
+                      <a:solidFill>
+                        <a:srgbClr val="D1D9E0"/>
+                      </a:solidFill>
+                      <a:prstDash val="solid"/>
+                      <a:round/>
+                      <a:headEnd type="none" w="med" len="med"/>
+                      <a:tailEnd type="none" w="med" len="med"/>
+                    </a:lnT>
+                    <a:lnB w="9525" cap="flat" cmpd="sng" algn="ctr">
+                      <a:solidFill>
+                        <a:srgbClr val="D1D9E0"/>
+                      </a:solidFill>
+                      <a:prstDash val="solid"/>
+                      <a:round/>
+                      <a:headEnd type="none" w="med" len="med"/>
+                      <a:tailEnd type="none" w="med" len="med"/>
+                    </a:lnB>
+                    <a:solidFill>
+                      <a:srgbClr val="F6F8FA"/>
+                    </a:solidFill>
+                  </a:tcPr>
+                </a:tc>
+                <a:tc>
+                  <a:txBody>
+                    <a:bodyPr/>
+                    <a:lstStyle/>
+                    <a:p>
+                      <a:pPr>
+                        <a:buNone/>
+                      </a:pPr>
+                      <a:r>
+                        <a:rPr lang="en-US" sz="1500">
+                          <a:effectLst/>
+                        </a:rPr>
+                        <a:t>Vortex Microarchitecture and Software Stack</a:t>
+                      </a:r>
+                    </a:p>
+                  </a:txBody>
+                  <a:tcPr marL="103978" marR="103978" marT="47990" marB="47990" anchor="ctr">
+                    <a:lnL w="9525" cap="flat" cmpd="sng" algn="ctr">
+                      <a:solidFill>
+                        <a:srgbClr val="D1D9E0"/>
+                      </a:solidFill>
+                      <a:prstDash val="solid"/>
+                      <a:round/>
+                      <a:headEnd type="none" w="med" len="med"/>
+                      <a:tailEnd type="none" w="med" len="med"/>
+                    </a:lnL>
+                    <a:lnR w="9525" cap="flat" cmpd="sng" algn="ctr">
+                      <a:solidFill>
+                        <a:srgbClr val="D1D9E0"/>
+                      </a:solidFill>
+                      <a:prstDash val="solid"/>
+                      <a:round/>
+                      <a:headEnd type="none" w="med" len="med"/>
+                      <a:tailEnd type="none" w="med" len="med"/>
+                    </a:lnR>
+                    <a:lnT w="9525" cap="flat" cmpd="sng" algn="ctr">
+                      <a:solidFill>
+                        <a:srgbClr val="D1D9E0"/>
+                      </a:solidFill>
+                      <a:prstDash val="solid"/>
+                      <a:round/>
+                      <a:headEnd type="none" w="med" len="med"/>
+                      <a:tailEnd type="none" w="med" len="med"/>
+                    </a:lnT>
+                    <a:lnB w="9525" cap="flat" cmpd="sng" algn="ctr">
+                      <a:solidFill>
+                        <a:srgbClr val="D1D9E0"/>
+                      </a:solidFill>
+                      <a:prstDash val="solid"/>
+                      <a:round/>
+                      <a:headEnd type="none" w="med" len="med"/>
+                      <a:tailEnd type="none" w="med" len="med"/>
+                    </a:lnB>
+                    <a:solidFill>
+                      <a:srgbClr val="F6F8FA"/>
+                    </a:solidFill>
+                  </a:tcPr>
+                </a:tc>
+                <a:tc>
+                  <a:txBody>
+                    <a:bodyPr/>
+                    <a:lstStyle/>
+                    <a:p>
+                      <a:pPr>
+                        <a:buNone/>
+                      </a:pPr>
+                      <a:r>
+                        <a:rPr lang="en-US" sz="1500">
+                          <a:effectLst/>
+                        </a:rPr>
+                        <a:t>Blaise Tine</a:t>
+                      </a:r>
+                    </a:p>
+                  </a:txBody>
+                  <a:tcPr marL="103978" marR="103978" marT="47990" marB="47990" anchor="ctr">
+                    <a:lnL w="9525" cap="flat" cmpd="sng" algn="ctr">
+                      <a:solidFill>
+                        <a:srgbClr val="D1D9E0"/>
+                      </a:solidFill>
+                      <a:prstDash val="solid"/>
+                      <a:round/>
+                      <a:headEnd type="none" w="med" len="med"/>
+                      <a:tailEnd type="none" w="med" len="med"/>
+                    </a:lnL>
+                    <a:lnR w="9525" cap="flat" cmpd="sng" algn="ctr">
+                      <a:solidFill>
+                        <a:srgbClr val="D1D9E0"/>
+                      </a:solidFill>
+                      <a:prstDash val="solid"/>
+                      <a:round/>
+                      <a:headEnd type="none" w="med" len="med"/>
+                      <a:tailEnd type="none" w="med" len="med"/>
+                    </a:lnR>
+                    <a:lnT w="9525" cap="flat" cmpd="sng" algn="ctr">
+                      <a:solidFill>
+                        <a:srgbClr val="D1D9E0"/>
+                      </a:solidFill>
+                      <a:prstDash val="solid"/>
+                      <a:round/>
+                      <a:headEnd type="none" w="med" len="med"/>
+                      <a:tailEnd type="none" w="med" len="med"/>
+                    </a:lnT>
+                    <a:lnB w="9525" cap="flat" cmpd="sng" algn="ctr">
+                      <a:solidFill>
+                        <a:srgbClr val="D1D9E0"/>
+                      </a:solidFill>
+                      <a:prstDash val="solid"/>
+                      <a:round/>
+                      <a:headEnd type="none" w="med" len="med"/>
+                      <a:tailEnd type="none" w="med" len="med"/>
+                    </a:lnB>
+                    <a:solidFill>
+                      <a:srgbClr val="F6F8FA"/>
+                    </a:solidFill>
+                  </a:tcPr>
+                </a:tc>
+                <a:tc>
+                  <a:txBody>
+                    <a:bodyPr/>
+                    <a:lstStyle/>
+                    <a:p>
+                      <a:pPr>
+                        <a:buNone/>
+                      </a:pPr>
+                      <a:endParaRPr lang="en-US" sz="1500">
+                        <a:effectLst/>
+                      </a:endParaRPr>
+                    </a:p>
+                  </a:txBody>
+                  <a:tcPr marL="103978" marR="103978" marT="47990" marB="47990" anchor="ctr">
+                    <a:lnL w="9525" cap="flat" cmpd="sng" algn="ctr">
+                      <a:solidFill>
+                        <a:srgbClr val="D1D9E0"/>
+                      </a:solidFill>
+                      <a:prstDash val="solid"/>
+                      <a:round/>
+                      <a:headEnd type="none" w="med" len="med"/>
+                      <a:tailEnd type="none" w="med" len="med"/>
+                    </a:lnL>
+                    <a:lnR w="9525" cap="flat" cmpd="sng" algn="ctr">
+                      <a:solidFill>
+                        <a:srgbClr val="D1D9E0"/>
+                      </a:solidFill>
+                      <a:prstDash val="solid"/>
+                      <a:round/>
+                      <a:headEnd type="none" w="med" len="med"/>
+                      <a:tailEnd type="none" w="med" len="med"/>
+                    </a:lnR>
+                    <a:lnT w="9525" cap="flat" cmpd="sng" algn="ctr">
+                      <a:solidFill>
+                        <a:srgbClr val="D1D9E0"/>
+                      </a:solidFill>
+                      <a:prstDash val="solid"/>
+                      <a:round/>
+                      <a:headEnd type="none" w="med" len="med"/>
+                      <a:tailEnd type="none" w="med" len="med"/>
+                    </a:lnT>
+                    <a:lnB w="9525" cap="flat" cmpd="sng" algn="ctr">
+                      <a:solidFill>
+                        <a:srgbClr val="D1D9E0"/>
+                      </a:solidFill>
+                      <a:prstDash val="solid"/>
+                      <a:round/>
+                      <a:headEnd type="none" w="med" len="med"/>
+                      <a:tailEnd type="none" w="med" len="med"/>
+                    </a:lnB>
+                    <a:solidFill>
+                      <a:srgbClr val="F6F8FA"/>
+                    </a:solidFill>
+                  </a:tcPr>
+                </a:tc>
+                <a:extLst>
+                  <a:ext uri="{0D108BD9-81ED-4DB2-BD59-A6C34878D82A}">
+                    <a16:rowId xmlns:a16="http://schemas.microsoft.com/office/drawing/2014/main" val="724467046"/>
+                  </a:ext>
+                </a:extLst>
+              </a:tr>
+              <a:tr h="787035">
+                <a:tc>
+                  <a:txBody>
+                    <a:bodyPr/>
+                    <a:lstStyle/>
+                    <a:p>
+                      <a:pPr>
+                        <a:buNone/>
+                      </a:pPr>
+                      <a:r>
+                        <a:rPr lang="en-US" sz="1500">
+                          <a:effectLst/>
+                        </a:rPr>
+                        <a:t>9:10-9:25</a:t>
+                      </a:r>
+                    </a:p>
+                  </a:txBody>
+                  <a:tcPr marL="103978" marR="103978" marT="47990" marB="47990" anchor="ctr">
+                    <a:lnL w="9525" cap="flat" cmpd="sng" algn="ctr">
+                      <a:solidFill>
+                        <a:srgbClr val="D1D9E0"/>
+                      </a:solidFill>
+                      <a:prstDash val="solid"/>
+                      <a:round/>
+                      <a:headEnd type="none" w="med" len="med"/>
+                      <a:tailEnd type="none" w="med" len="med"/>
+                    </a:lnL>
+                    <a:lnR w="9525" cap="flat" cmpd="sng" algn="ctr">
+                      <a:solidFill>
+                        <a:srgbClr val="D1D9E0"/>
+                      </a:solidFill>
+                      <a:prstDash val="solid"/>
+                      <a:round/>
+                      <a:headEnd type="none" w="med" len="med"/>
+                      <a:tailEnd type="none" w="med" len="med"/>
+                    </a:lnR>
+                    <a:lnT w="9525" cap="flat" cmpd="sng" algn="ctr">
+                      <a:solidFill>
+                        <a:srgbClr val="D1D9E0"/>
+                      </a:solidFill>
+                      <a:prstDash val="solid"/>
+                      <a:round/>
+                      <a:headEnd type="none" w="med" len="med"/>
+                      <a:tailEnd type="none" w="med" len="med"/>
+                    </a:lnT>
+                    <a:lnB w="9525" cap="flat" cmpd="sng" algn="ctr">
+                      <a:solidFill>
+                        <a:srgbClr val="D1D9E0"/>
+                      </a:solidFill>
+                      <a:prstDash val="solid"/>
+                      <a:round/>
+                      <a:headEnd type="none" w="med" len="med"/>
+                      <a:tailEnd type="none" w="med" len="med"/>
+                    </a:lnB>
+                    <a:solidFill>
+                      <a:srgbClr val="FFFFFF"/>
+                    </a:solidFill>
+                  </a:tcPr>
+                </a:tc>
+                <a:tc>
+                  <a:txBody>
+                    <a:bodyPr/>
+                    <a:lstStyle/>
+                    <a:p>
+                      <a:pPr>
+                        <a:buNone/>
+                      </a:pPr>
+                      <a:r>
+                        <a:rPr lang="en-US" sz="1500">
+                          <a:effectLst/>
+                        </a:rPr>
+                        <a:t>Vortex Compiler and running OpenCL</a:t>
+                      </a:r>
+                    </a:p>
+                  </a:txBody>
+                  <a:tcPr marL="103978" marR="103978" marT="47990" marB="47990" anchor="ctr">
+                    <a:lnL w="9525" cap="flat" cmpd="sng" algn="ctr">
+                      <a:solidFill>
+                        <a:srgbClr val="D1D9E0"/>
+                      </a:solidFill>
+                      <a:prstDash val="solid"/>
+                      <a:round/>
+                      <a:headEnd type="none" w="med" len="med"/>
+                      <a:tailEnd type="none" w="med" len="med"/>
+                    </a:lnL>
+                    <a:lnR w="9525" cap="flat" cmpd="sng" algn="ctr">
+                      <a:solidFill>
+                        <a:srgbClr val="D1D9E0"/>
+                      </a:solidFill>
+                      <a:prstDash val="solid"/>
+                      <a:round/>
+                      <a:headEnd type="none" w="med" len="med"/>
+                      <a:tailEnd type="none" w="med" len="med"/>
+                    </a:lnR>
+                    <a:lnT w="9525" cap="flat" cmpd="sng" algn="ctr">
+                      <a:solidFill>
+                        <a:srgbClr val="D1D9E0"/>
+                      </a:solidFill>
+                      <a:prstDash val="solid"/>
+                      <a:round/>
+                      <a:headEnd type="none" w="med" len="med"/>
+                      <a:tailEnd type="none" w="med" len="med"/>
+                    </a:lnT>
+                    <a:lnB w="9525" cap="flat" cmpd="sng" algn="ctr">
+                      <a:solidFill>
+                        <a:srgbClr val="D1D9E0"/>
+                      </a:solidFill>
+                      <a:prstDash val="solid"/>
+                      <a:round/>
+                      <a:headEnd type="none" w="med" len="med"/>
+                      <a:tailEnd type="none" w="med" len="med"/>
+                    </a:lnB>
+                    <a:solidFill>
+                      <a:srgbClr val="FFFFFF"/>
+                    </a:solidFill>
+                  </a:tcPr>
+                </a:tc>
+                <a:tc>
+                  <a:txBody>
+                    <a:bodyPr/>
+                    <a:lstStyle/>
+                    <a:p>
+                      <a:pPr>
+                        <a:buNone/>
+                      </a:pPr>
+                      <a:r>
+                        <a:rPr lang="en-US" sz="1500">
+                          <a:effectLst/>
+                        </a:rPr>
+                        <a:t>Shinnung Jeong</a:t>
+                      </a:r>
+                    </a:p>
+                  </a:txBody>
+                  <a:tcPr marL="103978" marR="103978" marT="47990" marB="47990" anchor="ctr">
+                    <a:lnL w="9525" cap="flat" cmpd="sng" algn="ctr">
+                      <a:solidFill>
+                        <a:srgbClr val="D1D9E0"/>
+                      </a:solidFill>
+                      <a:prstDash val="solid"/>
+                      <a:round/>
+                      <a:headEnd type="none" w="med" len="med"/>
+                      <a:tailEnd type="none" w="med" len="med"/>
+                    </a:lnL>
+                    <a:lnR w="9525" cap="flat" cmpd="sng" algn="ctr">
+                      <a:solidFill>
+                        <a:srgbClr val="D1D9E0"/>
+                      </a:solidFill>
+                      <a:prstDash val="solid"/>
+                      <a:round/>
+                      <a:headEnd type="none" w="med" len="med"/>
+                      <a:tailEnd type="none" w="med" len="med"/>
+                    </a:lnR>
+                    <a:lnT w="9525" cap="flat" cmpd="sng" algn="ctr">
+                      <a:solidFill>
+                        <a:srgbClr val="D1D9E0"/>
+                      </a:solidFill>
+                      <a:prstDash val="solid"/>
+                      <a:round/>
+                      <a:headEnd type="none" w="med" len="med"/>
+                      <a:tailEnd type="none" w="med" len="med"/>
+                    </a:lnT>
+                    <a:lnB w="9525" cap="flat" cmpd="sng" algn="ctr">
+                      <a:solidFill>
+                        <a:srgbClr val="D1D9E0"/>
+                      </a:solidFill>
+                      <a:prstDash val="solid"/>
+                      <a:round/>
+                      <a:headEnd type="none" w="med" len="med"/>
+                      <a:tailEnd type="none" w="med" len="med"/>
+                    </a:lnB>
+                    <a:solidFill>
+                      <a:srgbClr val="FFFFFF"/>
+                    </a:solidFill>
+                  </a:tcPr>
+                </a:tc>
+                <a:tc>
+                  <a:txBody>
+                    <a:bodyPr/>
+                    <a:lstStyle/>
+                    <a:p>
+                      <a:pPr>
+                        <a:buNone/>
+                      </a:pPr>
+                      <a:endParaRPr lang="en-US" sz="1500">
+                        <a:effectLst/>
+                      </a:endParaRPr>
+                    </a:p>
+                  </a:txBody>
+                  <a:tcPr marL="103978" marR="103978" marT="47990" marB="47990" anchor="ctr">
+                    <a:lnL w="9525" cap="flat" cmpd="sng" algn="ctr">
+                      <a:solidFill>
+                        <a:srgbClr val="D1D9E0"/>
+                      </a:solidFill>
+                      <a:prstDash val="solid"/>
+                      <a:round/>
+                      <a:headEnd type="none" w="med" len="med"/>
+                      <a:tailEnd type="none" w="med" len="med"/>
+                    </a:lnL>
+                    <a:lnR w="9525" cap="flat" cmpd="sng" algn="ctr">
+                      <a:solidFill>
+                        <a:srgbClr val="D1D9E0"/>
+                      </a:solidFill>
+                      <a:prstDash val="solid"/>
+                      <a:round/>
+                      <a:headEnd type="none" w="med" len="med"/>
+                      <a:tailEnd type="none" w="med" len="med"/>
+                    </a:lnR>
+                    <a:lnT w="9525" cap="flat" cmpd="sng" algn="ctr">
+                      <a:solidFill>
+                        <a:srgbClr val="D1D9E0"/>
+                      </a:solidFill>
+                      <a:prstDash val="solid"/>
+                      <a:round/>
+                      <a:headEnd type="none" w="med" len="med"/>
+                      <a:tailEnd type="none" w="med" len="med"/>
+                    </a:lnT>
+                    <a:lnB w="9525" cap="flat" cmpd="sng" algn="ctr">
+                      <a:solidFill>
+                        <a:srgbClr val="D1D9E0"/>
+                      </a:solidFill>
+                      <a:prstDash val="solid"/>
+                      <a:round/>
+                      <a:headEnd type="none" w="med" len="med"/>
+                      <a:tailEnd type="none" w="med" len="med"/>
+                    </a:lnB>
+                    <a:solidFill>
+                      <a:srgbClr val="FFFFFF"/>
+                    </a:solidFill>
+                  </a:tcPr>
+                </a:tc>
+                <a:extLst>
+                  <a:ext uri="{0D108BD9-81ED-4DB2-BD59-A6C34878D82A}">
+                    <a16:rowId xmlns:a16="http://schemas.microsoft.com/office/drawing/2014/main" val="487235858"/>
+                  </a:ext>
+                </a:extLst>
+              </a:tr>
+              <a:tr h="556683">
+                <a:tc>
+                  <a:txBody>
+                    <a:bodyPr/>
+                    <a:lstStyle/>
+                    <a:p>
+                      <a:pPr>
+                        <a:buNone/>
+                      </a:pPr>
+                      <a:r>
+                        <a:rPr lang="en-US" sz="1500">
+                          <a:effectLst/>
+                        </a:rPr>
+                        <a:t>9:25-9:40</a:t>
+                      </a:r>
+                    </a:p>
+                  </a:txBody>
+                  <a:tcPr marL="103978" marR="103978" marT="47990" marB="47990" anchor="ctr">
+                    <a:lnL w="9525" cap="flat" cmpd="sng" algn="ctr">
+                      <a:solidFill>
+                        <a:srgbClr val="D1D9E0"/>
+                      </a:solidFill>
+                      <a:prstDash val="solid"/>
+                      <a:round/>
+                      <a:headEnd type="none" w="med" len="med"/>
+                      <a:tailEnd type="none" w="med" len="med"/>
+                    </a:lnL>
+                    <a:lnR w="9525" cap="flat" cmpd="sng" algn="ctr">
+                      <a:solidFill>
+                        <a:srgbClr val="D1D9E0"/>
+                      </a:solidFill>
+                      <a:prstDash val="solid"/>
+                      <a:round/>
+                      <a:headEnd type="none" w="med" len="med"/>
+                      <a:tailEnd type="none" w="med" len="med"/>
+                    </a:lnR>
+                    <a:lnT w="9525" cap="flat" cmpd="sng" algn="ctr">
+                      <a:solidFill>
+                        <a:srgbClr val="D1D9E0"/>
+                      </a:solidFill>
+                      <a:prstDash val="solid"/>
+                      <a:round/>
+                      <a:headEnd type="none" w="med" len="med"/>
+                      <a:tailEnd type="none" w="med" len="med"/>
+                    </a:lnT>
+                    <a:lnB w="9525" cap="flat" cmpd="sng" algn="ctr">
+                      <a:solidFill>
+                        <a:srgbClr val="D1D9E0"/>
+                      </a:solidFill>
+                      <a:prstDash val="solid"/>
+                      <a:round/>
+                      <a:headEnd type="none" w="med" len="med"/>
+                      <a:tailEnd type="none" w="med" len="med"/>
+                    </a:lnB>
+                    <a:solidFill>
+                      <a:srgbClr val="F6F8FA"/>
+                    </a:solidFill>
+                  </a:tcPr>
+                </a:tc>
+                <a:tc>
+                  <a:txBody>
+                    <a:bodyPr/>
+                    <a:lstStyle/>
+                    <a:p>
+                      <a:pPr>
+                        <a:buNone/>
+                      </a:pPr>
+                      <a:r>
+                        <a:rPr lang="en-US" sz="1500">
+                          <a:effectLst/>
+                        </a:rPr>
+                        <a:t>CuPBoP: Running CUDA on Vortex</a:t>
+                      </a:r>
+                    </a:p>
+                  </a:txBody>
+                  <a:tcPr marL="103978" marR="103978" marT="47990" marB="47990" anchor="ctr">
+                    <a:lnL w="9525" cap="flat" cmpd="sng" algn="ctr">
+                      <a:solidFill>
+                        <a:srgbClr val="D1D9E0"/>
+                      </a:solidFill>
+                      <a:prstDash val="solid"/>
+                      <a:round/>
+                      <a:headEnd type="none" w="med" len="med"/>
+                      <a:tailEnd type="none" w="med" len="med"/>
+                    </a:lnL>
+                    <a:lnR w="9525" cap="flat" cmpd="sng" algn="ctr">
+                      <a:solidFill>
+                        <a:srgbClr val="D1D9E0"/>
+                      </a:solidFill>
+                      <a:prstDash val="solid"/>
+                      <a:round/>
+                      <a:headEnd type="none" w="med" len="med"/>
+                      <a:tailEnd type="none" w="med" len="med"/>
+                    </a:lnR>
+                    <a:lnT w="9525" cap="flat" cmpd="sng" algn="ctr">
+                      <a:solidFill>
+                        <a:srgbClr val="D1D9E0"/>
+                      </a:solidFill>
+                      <a:prstDash val="solid"/>
+                      <a:round/>
+                      <a:headEnd type="none" w="med" len="med"/>
+                      <a:tailEnd type="none" w="med" len="med"/>
+                    </a:lnT>
+                    <a:lnB w="9525" cap="flat" cmpd="sng" algn="ctr">
+                      <a:solidFill>
+                        <a:srgbClr val="D1D9E0"/>
+                      </a:solidFill>
+                      <a:prstDash val="solid"/>
+                      <a:round/>
+                      <a:headEnd type="none" w="med" len="med"/>
+                      <a:tailEnd type="none" w="med" len="med"/>
+                    </a:lnB>
+                    <a:solidFill>
+                      <a:srgbClr val="F6F8FA"/>
+                    </a:solidFill>
+                  </a:tcPr>
+                </a:tc>
+                <a:tc>
+                  <a:txBody>
+                    <a:bodyPr/>
+                    <a:lstStyle/>
+                    <a:p>
+                      <a:pPr>
+                        <a:buNone/>
+                      </a:pPr>
+                      <a:r>
+                        <a:rPr lang="en-US" sz="1500">
+                          <a:effectLst/>
+                        </a:rPr>
+                        <a:t>Chihyo (Mark) Ahn</a:t>
+                      </a:r>
+                    </a:p>
+                  </a:txBody>
+                  <a:tcPr marL="103978" marR="103978" marT="47990" marB="47990" anchor="ctr">
+                    <a:lnL w="9525" cap="flat" cmpd="sng" algn="ctr">
+                      <a:solidFill>
+                        <a:srgbClr val="D1D9E0"/>
+                      </a:solidFill>
+                      <a:prstDash val="solid"/>
+                      <a:round/>
+                      <a:headEnd type="none" w="med" len="med"/>
+                      <a:tailEnd type="none" w="med" len="med"/>
+                    </a:lnL>
+                    <a:lnR w="9525" cap="flat" cmpd="sng" algn="ctr">
+                      <a:solidFill>
+                        <a:srgbClr val="D1D9E0"/>
+                      </a:solidFill>
+                      <a:prstDash val="solid"/>
+                      <a:round/>
+                      <a:headEnd type="none" w="med" len="med"/>
+                      <a:tailEnd type="none" w="med" len="med"/>
+                    </a:lnR>
+                    <a:lnT w="9525" cap="flat" cmpd="sng" algn="ctr">
+                      <a:solidFill>
+                        <a:srgbClr val="D1D9E0"/>
+                      </a:solidFill>
+                      <a:prstDash val="solid"/>
+                      <a:round/>
+                      <a:headEnd type="none" w="med" len="med"/>
+                      <a:tailEnd type="none" w="med" len="med"/>
+                    </a:lnT>
+                    <a:lnB w="9525" cap="flat" cmpd="sng" algn="ctr">
+                      <a:solidFill>
+                        <a:srgbClr val="D1D9E0"/>
+                      </a:solidFill>
+                      <a:prstDash val="solid"/>
+                      <a:round/>
+                      <a:headEnd type="none" w="med" len="med"/>
+                      <a:tailEnd type="none" w="med" len="med"/>
+                    </a:lnB>
+                    <a:solidFill>
+                      <a:srgbClr val="F6F8FA"/>
+                    </a:solidFill>
+                  </a:tcPr>
+                </a:tc>
+                <a:tc>
+                  <a:txBody>
+                    <a:bodyPr/>
+                    <a:lstStyle/>
+                    <a:p>
+                      <a:pPr>
+                        <a:buNone/>
+                      </a:pPr>
+                      <a:endParaRPr lang="en-US" sz="1500">
+                        <a:effectLst/>
+                      </a:endParaRPr>
+                    </a:p>
+                  </a:txBody>
+                  <a:tcPr marL="103978" marR="103978" marT="47990" marB="47990" anchor="ctr">
+                    <a:lnL w="9525" cap="flat" cmpd="sng" algn="ctr">
+                      <a:solidFill>
+                        <a:srgbClr val="D1D9E0"/>
+                      </a:solidFill>
+                      <a:prstDash val="solid"/>
+                      <a:round/>
+                      <a:headEnd type="none" w="med" len="med"/>
+                      <a:tailEnd type="none" w="med" len="med"/>
+                    </a:lnL>
+                    <a:lnR w="9525" cap="flat" cmpd="sng" algn="ctr">
+                      <a:solidFill>
+                        <a:srgbClr val="D1D9E0"/>
+                      </a:solidFill>
+                      <a:prstDash val="solid"/>
+                      <a:round/>
+                      <a:headEnd type="none" w="med" len="med"/>
+                      <a:tailEnd type="none" w="med" len="med"/>
+                    </a:lnR>
+                    <a:lnT w="9525" cap="flat" cmpd="sng" algn="ctr">
+                      <a:solidFill>
+                        <a:srgbClr val="D1D9E0"/>
+                      </a:solidFill>
+                      <a:prstDash val="solid"/>
+                      <a:round/>
+                      <a:headEnd type="none" w="med" len="med"/>
+                      <a:tailEnd type="none" w="med" len="med"/>
+                    </a:lnT>
+                    <a:lnB w="9525" cap="flat" cmpd="sng" algn="ctr">
+                      <a:solidFill>
+                        <a:srgbClr val="D1D9E0"/>
+                      </a:solidFill>
+                      <a:prstDash val="solid"/>
+                      <a:round/>
+                      <a:headEnd type="none" w="med" len="med"/>
+                      <a:tailEnd type="none" w="med" len="med"/>
+                    </a:lnB>
+                    <a:solidFill>
+                      <a:srgbClr val="F6F8FA"/>
+                    </a:solidFill>
+                  </a:tcPr>
+                </a:tc>
+                <a:extLst>
+                  <a:ext uri="{0D108BD9-81ED-4DB2-BD59-A6C34878D82A}">
+                    <a16:rowId xmlns:a16="http://schemas.microsoft.com/office/drawing/2014/main" val="1450360150"/>
+                  </a:ext>
+                </a:extLst>
+              </a:tr>
+              <a:tr h="556683">
+                <a:tc>
+                  <a:txBody>
+                    <a:bodyPr/>
+                    <a:lstStyle/>
+                    <a:p>
+                      <a:pPr>
+                        <a:buNone/>
+                      </a:pPr>
+                      <a:r>
+                        <a:rPr lang="en-US" sz="1500">
+                          <a:effectLst/>
+                        </a:rPr>
+                        <a:t>9:40-10:00</a:t>
+                      </a:r>
+                    </a:p>
+                  </a:txBody>
+                  <a:tcPr marL="103978" marR="103978" marT="47990" marB="47990" anchor="ctr">
+                    <a:lnL w="9525" cap="flat" cmpd="sng" algn="ctr">
+                      <a:solidFill>
+                        <a:srgbClr val="D1D9E0"/>
+                      </a:solidFill>
+                      <a:prstDash val="solid"/>
+                      <a:round/>
+                      <a:headEnd type="none" w="med" len="med"/>
+                      <a:tailEnd type="none" w="med" len="med"/>
+                    </a:lnL>
+                    <a:lnR w="9525" cap="flat" cmpd="sng" algn="ctr">
+                      <a:solidFill>
+                        <a:srgbClr val="D1D9E0"/>
+                      </a:solidFill>
+                      <a:prstDash val="solid"/>
+                      <a:round/>
+                      <a:headEnd type="none" w="med" len="med"/>
+                      <a:tailEnd type="none" w="med" len="med"/>
+                    </a:lnR>
+                    <a:lnT w="9525" cap="flat" cmpd="sng" algn="ctr">
+                      <a:solidFill>
+                        <a:srgbClr val="D1D9E0"/>
+                      </a:solidFill>
+                      <a:prstDash val="solid"/>
+                      <a:round/>
+                      <a:headEnd type="none" w="med" len="med"/>
+                      <a:tailEnd type="none" w="med" len="med"/>
+                    </a:lnT>
+                    <a:lnB w="9525" cap="flat" cmpd="sng" algn="ctr">
+                      <a:solidFill>
+                        <a:srgbClr val="D1D9E0"/>
+                      </a:solidFill>
+                      <a:prstDash val="solid"/>
+                      <a:round/>
+                      <a:headEnd type="none" w="med" len="med"/>
+                      <a:tailEnd type="none" w="med" len="med"/>
+                    </a:lnB>
+                    <a:solidFill>
+                      <a:srgbClr val="FFFFFF"/>
+                    </a:solidFill>
+                  </a:tcPr>
+                </a:tc>
+                <a:tc>
+                  <a:txBody>
+                    <a:bodyPr/>
+                    <a:lstStyle/>
+                    <a:p>
+                      <a:pPr>
+                        <a:buNone/>
+                      </a:pPr>
+                      <a:r>
+                        <a:rPr lang="en-US" sz="1500">
+                          <a:effectLst/>
+                        </a:rPr>
+                        <a:t>Vortex Tutorial Assignment</a:t>
+                      </a:r>
+                    </a:p>
+                  </a:txBody>
+                  <a:tcPr marL="103978" marR="103978" marT="47990" marB="47990" anchor="ctr">
+                    <a:lnL w="9525" cap="flat" cmpd="sng" algn="ctr">
+                      <a:solidFill>
+                        <a:srgbClr val="D1D9E0"/>
+                      </a:solidFill>
+                      <a:prstDash val="solid"/>
+                      <a:round/>
+                      <a:headEnd type="none" w="med" len="med"/>
+                      <a:tailEnd type="none" w="med" len="med"/>
+                    </a:lnL>
+                    <a:lnR w="9525" cap="flat" cmpd="sng" algn="ctr">
+                      <a:solidFill>
+                        <a:srgbClr val="D1D9E0"/>
+                      </a:solidFill>
+                      <a:prstDash val="solid"/>
+                      <a:round/>
+                      <a:headEnd type="none" w="med" len="med"/>
+                      <a:tailEnd type="none" w="med" len="med"/>
+                    </a:lnR>
+                    <a:lnT w="9525" cap="flat" cmpd="sng" algn="ctr">
+                      <a:solidFill>
+                        <a:srgbClr val="D1D9E0"/>
+                      </a:solidFill>
+                      <a:prstDash val="solid"/>
+                      <a:round/>
+                      <a:headEnd type="none" w="med" len="med"/>
+                      <a:tailEnd type="none" w="med" len="med"/>
+                    </a:lnT>
+                    <a:lnB w="9525" cap="flat" cmpd="sng" algn="ctr">
+                      <a:solidFill>
+                        <a:srgbClr val="D1D9E0"/>
+                      </a:solidFill>
+                      <a:prstDash val="solid"/>
+                      <a:round/>
+                      <a:headEnd type="none" w="med" len="med"/>
+                      <a:tailEnd type="none" w="med" len="med"/>
+                    </a:lnB>
+                    <a:solidFill>
+                      <a:srgbClr val="FFFFFF"/>
+                    </a:solidFill>
+                  </a:tcPr>
+                </a:tc>
+                <a:tc>
+                  <a:txBody>
+                    <a:bodyPr/>
+                    <a:lstStyle/>
+                    <a:p>
+                      <a:pPr>
+                        <a:buNone/>
+                      </a:pPr>
+                      <a:endParaRPr lang="en-US" sz="1500">
+                        <a:effectLst/>
+                      </a:endParaRPr>
+                    </a:p>
+                  </a:txBody>
+                  <a:tcPr marL="103978" marR="103978" marT="47990" marB="47990" anchor="ctr">
+                    <a:lnL w="9525" cap="flat" cmpd="sng" algn="ctr">
+                      <a:solidFill>
+                        <a:srgbClr val="D1D9E0"/>
+                      </a:solidFill>
+                      <a:prstDash val="solid"/>
+                      <a:round/>
+                      <a:headEnd type="none" w="med" len="med"/>
+                      <a:tailEnd type="none" w="med" len="med"/>
+                    </a:lnL>
+                    <a:lnR w="9525" cap="flat" cmpd="sng" algn="ctr">
+                      <a:solidFill>
+                        <a:srgbClr val="D1D9E0"/>
+                      </a:solidFill>
+                      <a:prstDash val="solid"/>
+                      <a:round/>
+                      <a:headEnd type="none" w="med" len="med"/>
+                      <a:tailEnd type="none" w="med" len="med"/>
+                    </a:lnR>
+                    <a:lnT w="9525" cap="flat" cmpd="sng" algn="ctr">
+                      <a:solidFill>
+                        <a:srgbClr val="D1D9E0"/>
+                      </a:solidFill>
+                      <a:prstDash val="solid"/>
+                      <a:round/>
+                      <a:headEnd type="none" w="med" len="med"/>
+                      <a:tailEnd type="none" w="med" len="med"/>
+                    </a:lnT>
+                    <a:lnB w="9525" cap="flat" cmpd="sng" algn="ctr">
+                      <a:solidFill>
+                        <a:srgbClr val="D1D9E0"/>
+                      </a:solidFill>
+                      <a:prstDash val="solid"/>
+                      <a:round/>
+                      <a:headEnd type="none" w="med" len="med"/>
+                      <a:tailEnd type="none" w="med" len="med"/>
+                    </a:lnB>
+                    <a:solidFill>
+                      <a:srgbClr val="FFFFFF"/>
+                    </a:solidFill>
+                  </a:tcPr>
+                </a:tc>
+                <a:tc>
+                  <a:txBody>
+                    <a:bodyPr/>
+                    <a:lstStyle/>
+                    <a:p>
+                      <a:pPr>
+                        <a:buNone/>
+                      </a:pPr>
+                      <a:endParaRPr lang="en-US" sz="1500">
+                        <a:effectLst/>
+                      </a:endParaRPr>
+                    </a:p>
+                  </a:txBody>
+                  <a:tcPr marL="103978" marR="103978" marT="47990" marB="47990" anchor="ctr">
+                    <a:lnL w="9525" cap="flat" cmpd="sng" algn="ctr">
+                      <a:solidFill>
+                        <a:srgbClr val="D1D9E0"/>
+                      </a:solidFill>
+                      <a:prstDash val="solid"/>
+                      <a:round/>
+                      <a:headEnd type="none" w="med" len="med"/>
+                      <a:tailEnd type="none" w="med" len="med"/>
+                    </a:lnL>
+                    <a:lnR w="9525" cap="flat" cmpd="sng" algn="ctr">
+                      <a:solidFill>
+                        <a:srgbClr val="D1D9E0"/>
+                      </a:solidFill>
+                      <a:prstDash val="solid"/>
+                      <a:round/>
+                      <a:headEnd type="none" w="med" len="med"/>
+                      <a:tailEnd type="none" w="med" len="med"/>
+                    </a:lnR>
+                    <a:lnT w="9525" cap="flat" cmpd="sng" algn="ctr">
+                      <a:solidFill>
+                        <a:srgbClr val="D1D9E0"/>
+                      </a:solidFill>
+                      <a:prstDash val="solid"/>
+                      <a:round/>
+                      <a:headEnd type="none" w="med" len="med"/>
+                      <a:tailEnd type="none" w="med" len="med"/>
+                    </a:lnT>
+                    <a:lnB w="9525" cap="flat" cmpd="sng" algn="ctr">
+                      <a:solidFill>
+                        <a:srgbClr val="D1D9E0"/>
+                      </a:solidFill>
+                      <a:prstDash val="solid"/>
+                      <a:round/>
+                      <a:headEnd type="none" w="med" len="med"/>
+                      <a:tailEnd type="none" w="med" len="med"/>
+                    </a:lnB>
+                    <a:solidFill>
+                      <a:srgbClr val="FFFFFF"/>
+                    </a:solidFill>
+                  </a:tcPr>
+                </a:tc>
+                <a:extLst>
+                  <a:ext uri="{0D108BD9-81ED-4DB2-BD59-A6C34878D82A}">
+                    <a16:rowId xmlns:a16="http://schemas.microsoft.com/office/drawing/2014/main" val="3328494237"/>
+                  </a:ext>
+                </a:extLst>
+              </a:tr>
+              <a:tr h="556683">
+                <a:tc>
+                  <a:txBody>
+                    <a:bodyPr/>
+                    <a:lstStyle/>
+                    <a:p>
+                      <a:pPr>
+                        <a:buNone/>
+                      </a:pPr>
+                      <a:r>
+                        <a:rPr lang="en-US" sz="1500">
+                          <a:effectLst/>
+                        </a:rPr>
+                        <a:t>10:00-10:30</a:t>
+                      </a:r>
+                    </a:p>
+                  </a:txBody>
+                  <a:tcPr marL="103978" marR="103978" marT="47990" marB="47990" anchor="ctr">
+                    <a:lnL w="9525" cap="flat" cmpd="sng" algn="ctr">
+                      <a:solidFill>
+                        <a:srgbClr val="D1D9E0"/>
+                      </a:solidFill>
+                      <a:prstDash val="solid"/>
+                      <a:round/>
+                      <a:headEnd type="none" w="med" len="med"/>
+                      <a:tailEnd type="none" w="med" len="med"/>
+                    </a:lnL>
+                    <a:lnR w="9525" cap="flat" cmpd="sng" algn="ctr">
+                      <a:solidFill>
+                        <a:srgbClr val="D1D9E0"/>
+                      </a:solidFill>
+                      <a:prstDash val="solid"/>
+                      <a:round/>
+                      <a:headEnd type="none" w="med" len="med"/>
+                      <a:tailEnd type="none" w="med" len="med"/>
+                    </a:lnR>
+                    <a:lnT w="9525" cap="flat" cmpd="sng" algn="ctr">
+                      <a:solidFill>
+                        <a:srgbClr val="D1D9E0"/>
+                      </a:solidFill>
+                      <a:prstDash val="solid"/>
+                      <a:round/>
+                      <a:headEnd type="none" w="med" len="med"/>
+                      <a:tailEnd type="none" w="med" len="med"/>
+                    </a:lnT>
+                    <a:lnB w="9525" cap="flat" cmpd="sng" algn="ctr">
+                      <a:solidFill>
+                        <a:srgbClr val="D1D9E0"/>
+                      </a:solidFill>
+                      <a:prstDash val="solid"/>
+                      <a:round/>
+                      <a:headEnd type="none" w="med" len="med"/>
+                      <a:tailEnd type="none" w="med" len="med"/>
+                    </a:lnB>
+                    <a:solidFill>
+                      <a:srgbClr val="F6F8FA"/>
+                    </a:solidFill>
+                  </a:tcPr>
+                </a:tc>
+                <a:tc>
+                  <a:txBody>
+                    <a:bodyPr/>
+                    <a:lstStyle/>
+                    <a:p>
+                      <a:pPr>
+                        <a:buNone/>
+                      </a:pPr>
+                      <a:r>
+                        <a:rPr lang="en-US" sz="1500">
+                          <a:effectLst/>
+                        </a:rPr>
+                        <a:t>Q&amp;A and Coffee Break</a:t>
+                      </a:r>
+                    </a:p>
+                  </a:txBody>
+                  <a:tcPr marL="103978" marR="103978" marT="47990" marB="47990" anchor="ctr">
+                    <a:lnL w="9525" cap="flat" cmpd="sng" algn="ctr">
+                      <a:solidFill>
+                        <a:srgbClr val="D1D9E0"/>
+                      </a:solidFill>
+                      <a:prstDash val="solid"/>
+                      <a:round/>
+                      <a:headEnd type="none" w="med" len="med"/>
+                      <a:tailEnd type="none" w="med" len="med"/>
+                    </a:lnL>
+                    <a:lnR w="9525" cap="flat" cmpd="sng" algn="ctr">
+                      <a:solidFill>
+                        <a:srgbClr val="D1D9E0"/>
+                      </a:solidFill>
+                      <a:prstDash val="solid"/>
+                      <a:round/>
+                      <a:headEnd type="none" w="med" len="med"/>
+                      <a:tailEnd type="none" w="med" len="med"/>
+                    </a:lnR>
+                    <a:lnT w="9525" cap="flat" cmpd="sng" algn="ctr">
+                      <a:solidFill>
+                        <a:srgbClr val="D1D9E0"/>
+                      </a:solidFill>
+                      <a:prstDash val="solid"/>
+                      <a:round/>
+                      <a:headEnd type="none" w="med" len="med"/>
+                      <a:tailEnd type="none" w="med" len="med"/>
+                    </a:lnT>
+                    <a:lnB w="9525" cap="flat" cmpd="sng" algn="ctr">
+                      <a:solidFill>
+                        <a:srgbClr val="D1D9E0"/>
+                      </a:solidFill>
+                      <a:prstDash val="solid"/>
+                      <a:round/>
+                      <a:headEnd type="none" w="med" len="med"/>
+                      <a:tailEnd type="none" w="med" len="med"/>
+                    </a:lnB>
+                    <a:solidFill>
+                      <a:srgbClr val="F6F8FA"/>
+                    </a:solidFill>
+                  </a:tcPr>
+                </a:tc>
+                <a:tc>
+                  <a:txBody>
+                    <a:bodyPr/>
+                    <a:lstStyle/>
+                    <a:p>
+                      <a:pPr>
+                        <a:buNone/>
+                      </a:pPr>
+                      <a:endParaRPr lang="en-US" sz="1500">
+                        <a:effectLst/>
+                      </a:endParaRPr>
+                    </a:p>
+                  </a:txBody>
+                  <a:tcPr marL="103978" marR="103978" marT="47990" marB="47990" anchor="ctr">
+                    <a:lnL w="9525" cap="flat" cmpd="sng" algn="ctr">
+                      <a:solidFill>
+                        <a:srgbClr val="D1D9E0"/>
+                      </a:solidFill>
+                      <a:prstDash val="solid"/>
+                      <a:round/>
+                      <a:headEnd type="none" w="med" len="med"/>
+                      <a:tailEnd type="none" w="med" len="med"/>
+                    </a:lnL>
+                    <a:lnR w="9525" cap="flat" cmpd="sng" algn="ctr">
+                      <a:solidFill>
+                        <a:srgbClr val="D1D9E0"/>
+                      </a:solidFill>
+                      <a:prstDash val="solid"/>
+                      <a:round/>
+                      <a:headEnd type="none" w="med" len="med"/>
+                      <a:tailEnd type="none" w="med" len="med"/>
+                    </a:lnR>
+                    <a:lnT w="9525" cap="flat" cmpd="sng" algn="ctr">
+                      <a:solidFill>
+                        <a:srgbClr val="D1D9E0"/>
+                      </a:solidFill>
+                      <a:prstDash val="solid"/>
+                      <a:round/>
+                      <a:headEnd type="none" w="med" len="med"/>
+                      <a:tailEnd type="none" w="med" len="med"/>
+                    </a:lnT>
+                    <a:lnB w="9525" cap="flat" cmpd="sng" algn="ctr">
+                      <a:solidFill>
+                        <a:srgbClr val="D1D9E0"/>
+                      </a:solidFill>
+                      <a:prstDash val="solid"/>
+                      <a:round/>
+                      <a:headEnd type="none" w="med" len="med"/>
+                      <a:tailEnd type="none" w="med" len="med"/>
+                    </a:lnB>
+                    <a:solidFill>
+                      <a:srgbClr val="F6F8FA"/>
+                    </a:solidFill>
+                  </a:tcPr>
+                </a:tc>
+                <a:tc>
+                  <a:txBody>
+                    <a:bodyPr/>
+                    <a:lstStyle/>
+                    <a:p>
+                      <a:pPr>
+                        <a:buNone/>
+                      </a:pPr>
+                      <a:endParaRPr lang="en-US" sz="1500">
+                        <a:effectLst/>
+                      </a:endParaRPr>
+                    </a:p>
+                  </a:txBody>
+                  <a:tcPr marL="103978" marR="103978" marT="47990" marB="47990" anchor="ctr">
+                    <a:lnL w="9525" cap="flat" cmpd="sng" algn="ctr">
+                      <a:solidFill>
+                        <a:srgbClr val="D1D9E0"/>
+                      </a:solidFill>
+                      <a:prstDash val="solid"/>
+                      <a:round/>
+                      <a:headEnd type="none" w="med" len="med"/>
+                      <a:tailEnd type="none" w="med" len="med"/>
+                    </a:lnL>
+                    <a:lnR w="9525" cap="flat" cmpd="sng" algn="ctr">
+                      <a:solidFill>
+                        <a:srgbClr val="D1D9E0"/>
+                      </a:solidFill>
+                      <a:prstDash val="solid"/>
+                      <a:round/>
+                      <a:headEnd type="none" w="med" len="med"/>
+                      <a:tailEnd type="none" w="med" len="med"/>
+                    </a:lnR>
+                    <a:lnT w="9525" cap="flat" cmpd="sng" algn="ctr">
+                      <a:solidFill>
+                        <a:srgbClr val="D1D9E0"/>
+                      </a:solidFill>
+                      <a:prstDash val="solid"/>
+                      <a:round/>
+                      <a:headEnd type="none" w="med" len="med"/>
+                      <a:tailEnd type="none" w="med" len="med"/>
+                    </a:lnT>
+                    <a:lnB w="9525" cap="flat" cmpd="sng" algn="ctr">
+                      <a:solidFill>
+                        <a:srgbClr val="D1D9E0"/>
+                      </a:solidFill>
+                      <a:prstDash val="solid"/>
+                      <a:round/>
+                      <a:headEnd type="none" w="med" len="med"/>
+                      <a:tailEnd type="none" w="med" len="med"/>
+                    </a:lnB>
+                    <a:solidFill>
+                      <a:srgbClr val="F6F8FA"/>
+                    </a:solidFill>
+                  </a:tcPr>
+                </a:tc>
+                <a:extLst>
+                  <a:ext uri="{0D108BD9-81ED-4DB2-BD59-A6C34878D82A}">
+                    <a16:rowId xmlns:a16="http://schemas.microsoft.com/office/drawing/2014/main" val="474071536"/>
+                  </a:ext>
+                </a:extLst>
+              </a:tr>
+              <a:tr h="326332">
+                <a:tc>
+                  <a:txBody>
+                    <a:bodyPr/>
+                    <a:lstStyle/>
+                    <a:p>
+                      <a:pPr>
+                        <a:buNone/>
+                      </a:pPr>
+                      <a:r>
+                        <a:rPr lang="en-US" sz="1500">
+                          <a:effectLst/>
+                        </a:rPr>
+                        <a:t>10:30-11:40</a:t>
+                      </a:r>
+                    </a:p>
+                  </a:txBody>
+                  <a:tcPr marL="103978" marR="103978" marT="47990" marB="47990" anchor="ctr">
+                    <a:lnL w="9525" cap="flat" cmpd="sng" algn="ctr">
+                      <a:solidFill>
+                        <a:srgbClr val="D1D9E0"/>
+                      </a:solidFill>
+                      <a:prstDash val="solid"/>
+                      <a:round/>
+                      <a:headEnd type="none" w="med" len="med"/>
+                      <a:tailEnd type="none" w="med" len="med"/>
+                    </a:lnL>
+                    <a:lnR w="9525" cap="flat" cmpd="sng" algn="ctr">
+                      <a:solidFill>
+                        <a:srgbClr val="D1D9E0"/>
+                      </a:solidFill>
+                      <a:prstDash val="solid"/>
+                      <a:round/>
+                      <a:headEnd type="none" w="med" len="med"/>
+                      <a:tailEnd type="none" w="med" len="med"/>
+                    </a:lnR>
+                    <a:lnT w="9525" cap="flat" cmpd="sng" algn="ctr">
+                      <a:solidFill>
+                        <a:srgbClr val="D1D9E0"/>
+                      </a:solidFill>
+                      <a:prstDash val="solid"/>
+                      <a:round/>
+                      <a:headEnd type="none" w="med" len="med"/>
+                      <a:tailEnd type="none" w="med" len="med"/>
+                    </a:lnT>
+                    <a:lnB w="9525" cap="flat" cmpd="sng" algn="ctr">
+                      <a:solidFill>
+                        <a:srgbClr val="D1D9E0"/>
+                      </a:solidFill>
+                      <a:prstDash val="solid"/>
+                      <a:round/>
+                      <a:headEnd type="none" w="med" len="med"/>
+                      <a:tailEnd type="none" w="med" len="med"/>
+                    </a:lnB>
+                    <a:solidFill>
+                      <a:srgbClr val="FFFFFF"/>
+                    </a:solidFill>
+                  </a:tcPr>
+                </a:tc>
+                <a:tc>
+                  <a:txBody>
+                    <a:bodyPr/>
+                    <a:lstStyle/>
+                    <a:p>
+                      <a:pPr>
+                        <a:buNone/>
+                      </a:pPr>
+                      <a:r>
+                        <a:rPr lang="en-US" sz="1500">
+                          <a:effectLst/>
+                        </a:rPr>
+                        <a:t>Vortex Workshop</a:t>
+                      </a:r>
+                    </a:p>
+                  </a:txBody>
+                  <a:tcPr marL="103978" marR="103978" marT="47990" marB="47990" anchor="ctr">
+                    <a:lnL w="9525" cap="flat" cmpd="sng" algn="ctr">
+                      <a:solidFill>
+                        <a:srgbClr val="D1D9E0"/>
+                      </a:solidFill>
+                      <a:prstDash val="solid"/>
+                      <a:round/>
+                      <a:headEnd type="none" w="med" len="med"/>
+                      <a:tailEnd type="none" w="med" len="med"/>
+                    </a:lnL>
+                    <a:lnR w="9525" cap="flat" cmpd="sng" algn="ctr">
+                      <a:solidFill>
+                        <a:srgbClr val="D1D9E0"/>
+                      </a:solidFill>
+                      <a:prstDash val="solid"/>
+                      <a:round/>
+                      <a:headEnd type="none" w="med" len="med"/>
+                      <a:tailEnd type="none" w="med" len="med"/>
+                    </a:lnR>
+                    <a:lnT w="9525" cap="flat" cmpd="sng" algn="ctr">
+                      <a:solidFill>
+                        <a:srgbClr val="D1D9E0"/>
+                      </a:solidFill>
+                      <a:prstDash val="solid"/>
+                      <a:round/>
+                      <a:headEnd type="none" w="med" len="med"/>
+                      <a:tailEnd type="none" w="med" len="med"/>
+                    </a:lnT>
+                    <a:lnB w="9525" cap="flat" cmpd="sng" algn="ctr">
+                      <a:solidFill>
+                        <a:srgbClr val="D1D9E0"/>
+                      </a:solidFill>
+                      <a:prstDash val="solid"/>
+                      <a:round/>
+                      <a:headEnd type="none" w="med" len="med"/>
+                      <a:tailEnd type="none" w="med" len="med"/>
+                    </a:lnB>
+                    <a:solidFill>
+                      <a:srgbClr val="FFFFFF"/>
+                    </a:solidFill>
+                  </a:tcPr>
+                </a:tc>
+                <a:tc>
+                  <a:txBody>
+                    <a:bodyPr/>
+                    <a:lstStyle/>
+                    <a:p>
+                      <a:pPr>
+                        <a:buNone/>
+                      </a:pPr>
+                      <a:endParaRPr lang="en-US" sz="1500">
+                        <a:effectLst/>
+                      </a:endParaRPr>
+                    </a:p>
+                  </a:txBody>
+                  <a:tcPr marL="103978" marR="103978" marT="47990" marB="47990" anchor="ctr">
+                    <a:lnL w="9525" cap="flat" cmpd="sng" algn="ctr">
+                      <a:solidFill>
+                        <a:srgbClr val="D1D9E0"/>
+                      </a:solidFill>
+                      <a:prstDash val="solid"/>
+                      <a:round/>
+                      <a:headEnd type="none" w="med" len="med"/>
+                      <a:tailEnd type="none" w="med" len="med"/>
+                    </a:lnL>
+                    <a:lnR w="9525" cap="flat" cmpd="sng" algn="ctr">
+                      <a:solidFill>
+                        <a:srgbClr val="D1D9E0"/>
+                      </a:solidFill>
+                      <a:prstDash val="solid"/>
+                      <a:round/>
+                      <a:headEnd type="none" w="med" len="med"/>
+                      <a:tailEnd type="none" w="med" len="med"/>
+                    </a:lnR>
+                    <a:lnT w="9525" cap="flat" cmpd="sng" algn="ctr">
+                      <a:solidFill>
+                        <a:srgbClr val="D1D9E0"/>
+                      </a:solidFill>
+                      <a:prstDash val="solid"/>
+                      <a:round/>
+                      <a:headEnd type="none" w="med" len="med"/>
+                      <a:tailEnd type="none" w="med" len="med"/>
+                    </a:lnT>
+                    <a:lnB w="9525" cap="flat" cmpd="sng" algn="ctr">
+                      <a:solidFill>
+                        <a:srgbClr val="D1D9E0"/>
+                      </a:solidFill>
+                      <a:prstDash val="solid"/>
+                      <a:round/>
+                      <a:headEnd type="none" w="med" len="med"/>
+                      <a:tailEnd type="none" w="med" len="med"/>
+                    </a:lnB>
+                    <a:solidFill>
+                      <a:srgbClr val="FFFFFF"/>
+                    </a:solidFill>
+                  </a:tcPr>
+                </a:tc>
+                <a:tc>
+                  <a:txBody>
+                    <a:bodyPr/>
+                    <a:lstStyle/>
+                    <a:p>
+                      <a:pPr>
+                        <a:buNone/>
+                      </a:pPr>
+                      <a:endParaRPr lang="en-US" sz="1500">
+                        <a:effectLst/>
+                      </a:endParaRPr>
+                    </a:p>
+                  </a:txBody>
+                  <a:tcPr marL="103978" marR="103978" marT="47990" marB="47990" anchor="ctr">
+                    <a:lnL w="9525" cap="flat" cmpd="sng" algn="ctr">
+                      <a:solidFill>
+                        <a:srgbClr val="D1D9E0"/>
+                      </a:solidFill>
+                      <a:prstDash val="solid"/>
+                      <a:round/>
+                      <a:headEnd type="none" w="med" len="med"/>
+                      <a:tailEnd type="none" w="med" len="med"/>
+                    </a:lnL>
+                    <a:lnR w="9525" cap="flat" cmpd="sng" algn="ctr">
+                      <a:solidFill>
+                        <a:srgbClr val="D1D9E0"/>
+                      </a:solidFill>
+                      <a:prstDash val="solid"/>
+                      <a:round/>
+                      <a:headEnd type="none" w="med" len="med"/>
+                      <a:tailEnd type="none" w="med" len="med"/>
+                    </a:lnR>
+                    <a:lnT w="9525" cap="flat" cmpd="sng" algn="ctr">
+                      <a:solidFill>
+                        <a:srgbClr val="D1D9E0"/>
+                      </a:solidFill>
+                      <a:prstDash val="solid"/>
+                      <a:round/>
+                      <a:headEnd type="none" w="med" len="med"/>
+                      <a:tailEnd type="none" w="med" len="med"/>
+                    </a:lnT>
+                    <a:lnB w="9525" cap="flat" cmpd="sng" algn="ctr">
+                      <a:solidFill>
+                        <a:srgbClr val="D1D9E0"/>
+                      </a:solidFill>
+                      <a:prstDash val="solid"/>
+                      <a:round/>
+                      <a:headEnd type="none" w="med" len="med"/>
+                      <a:tailEnd type="none" w="med" len="med"/>
+                    </a:lnB>
+                    <a:solidFill>
+                      <a:srgbClr val="FFFFFF"/>
+                    </a:solidFill>
+                  </a:tcPr>
+                </a:tc>
+                <a:extLst>
+                  <a:ext uri="{0D108BD9-81ED-4DB2-BD59-A6C34878D82A}">
+                    <a16:rowId xmlns:a16="http://schemas.microsoft.com/office/drawing/2014/main" val="763363175"/>
+                  </a:ext>
+                </a:extLst>
+              </a:tr>
+              <a:tr h="556683">
+                <a:tc>
+                  <a:txBody>
+                    <a:bodyPr/>
+                    <a:lstStyle/>
+                    <a:p>
+                      <a:pPr>
+                        <a:buNone/>
+                      </a:pPr>
+                      <a:r>
+                        <a:rPr lang="en-US" sz="1500">
+                          <a:effectLst/>
+                        </a:rPr>
+                        <a:t>11:40-12:00</a:t>
+                      </a:r>
+                    </a:p>
+                  </a:txBody>
+                  <a:tcPr marL="103978" marR="103978" marT="47990" marB="47990" anchor="ctr">
+                    <a:lnL w="9525" cap="flat" cmpd="sng" algn="ctr">
+                      <a:solidFill>
+                        <a:srgbClr val="D1D9E0"/>
+                      </a:solidFill>
+                      <a:prstDash val="solid"/>
+                      <a:round/>
+                      <a:headEnd type="none" w="med" len="med"/>
+                      <a:tailEnd type="none" w="med" len="med"/>
+                    </a:lnL>
+                    <a:lnR w="9525" cap="flat" cmpd="sng" algn="ctr">
+                      <a:solidFill>
+                        <a:srgbClr val="D1D9E0"/>
+                      </a:solidFill>
+                      <a:prstDash val="solid"/>
+                      <a:round/>
+                      <a:headEnd type="none" w="med" len="med"/>
+                      <a:tailEnd type="none" w="med" len="med"/>
+                    </a:lnR>
+                    <a:lnT w="9525" cap="flat" cmpd="sng" algn="ctr">
+                      <a:solidFill>
+                        <a:srgbClr val="D1D9E0"/>
+                      </a:solidFill>
+                      <a:prstDash val="solid"/>
+                      <a:round/>
+                      <a:headEnd type="none" w="med" len="med"/>
+                      <a:tailEnd type="none" w="med" len="med"/>
+                    </a:lnT>
+                    <a:lnB w="9525" cap="flat" cmpd="sng" algn="ctr">
+                      <a:solidFill>
+                        <a:srgbClr val="D1D9E0"/>
+                      </a:solidFill>
+                      <a:prstDash val="solid"/>
+                      <a:round/>
+                      <a:headEnd type="none" w="med" len="med"/>
+                      <a:tailEnd type="none" w="med" len="med"/>
+                    </a:lnB>
+                    <a:solidFill>
+                      <a:srgbClr val="F6F8FA"/>
+                    </a:solidFill>
+                  </a:tcPr>
+                </a:tc>
+                <a:tc>
+                  <a:txBody>
+                    <a:bodyPr/>
+                    <a:lstStyle/>
+                    <a:p>
+                      <a:pPr>
+                        <a:buNone/>
+                      </a:pPr>
+                      <a:r>
+                        <a:rPr lang="en-US" sz="1500">
+                          <a:effectLst/>
+                        </a:rPr>
+                        <a:t>Review of Tutorial Assignments</a:t>
+                      </a:r>
+                    </a:p>
+                  </a:txBody>
+                  <a:tcPr marL="103978" marR="103978" marT="47990" marB="47990" anchor="ctr">
+                    <a:lnL w="9525" cap="flat" cmpd="sng" algn="ctr">
+                      <a:solidFill>
+                        <a:srgbClr val="D1D9E0"/>
+                      </a:solidFill>
+                      <a:prstDash val="solid"/>
+                      <a:round/>
+                      <a:headEnd type="none" w="med" len="med"/>
+                      <a:tailEnd type="none" w="med" len="med"/>
+                    </a:lnL>
+                    <a:lnR w="9525" cap="flat" cmpd="sng" algn="ctr">
+                      <a:solidFill>
+                        <a:srgbClr val="D1D9E0"/>
+                      </a:solidFill>
+                      <a:prstDash val="solid"/>
+                      <a:round/>
+                      <a:headEnd type="none" w="med" len="med"/>
+                      <a:tailEnd type="none" w="med" len="med"/>
+                    </a:lnR>
+                    <a:lnT w="9525" cap="flat" cmpd="sng" algn="ctr">
+                      <a:solidFill>
+                        <a:srgbClr val="D1D9E0"/>
+                      </a:solidFill>
+                      <a:prstDash val="solid"/>
+                      <a:round/>
+                      <a:headEnd type="none" w="med" len="med"/>
+                      <a:tailEnd type="none" w="med" len="med"/>
+                    </a:lnT>
+                    <a:lnB w="9525" cap="flat" cmpd="sng" algn="ctr">
+                      <a:solidFill>
+                        <a:srgbClr val="D1D9E0"/>
+                      </a:solidFill>
+                      <a:prstDash val="solid"/>
+                      <a:round/>
+                      <a:headEnd type="none" w="med" len="med"/>
+                      <a:tailEnd type="none" w="med" len="med"/>
+                    </a:lnB>
+                    <a:solidFill>
+                      <a:srgbClr val="F6F8FA"/>
+                    </a:solidFill>
+                  </a:tcPr>
+                </a:tc>
+                <a:tc>
+                  <a:txBody>
+                    <a:bodyPr/>
+                    <a:lstStyle/>
+                    <a:p>
+                      <a:pPr>
+                        <a:buNone/>
+                      </a:pPr>
+                      <a:endParaRPr lang="en-US" sz="1500">
+                        <a:effectLst/>
+                      </a:endParaRPr>
+                    </a:p>
+                  </a:txBody>
+                  <a:tcPr marL="103978" marR="103978" marT="47990" marB="47990" anchor="ctr">
+                    <a:lnL w="9525" cap="flat" cmpd="sng" algn="ctr">
+                      <a:solidFill>
+                        <a:srgbClr val="D1D9E0"/>
+                      </a:solidFill>
+                      <a:prstDash val="solid"/>
+                      <a:round/>
+                      <a:headEnd type="none" w="med" len="med"/>
+                      <a:tailEnd type="none" w="med" len="med"/>
+                    </a:lnL>
+                    <a:lnR w="9525" cap="flat" cmpd="sng" algn="ctr">
+                      <a:solidFill>
+                        <a:srgbClr val="D1D9E0"/>
+                      </a:solidFill>
+                      <a:prstDash val="solid"/>
+                      <a:round/>
+                      <a:headEnd type="none" w="med" len="med"/>
+                      <a:tailEnd type="none" w="med" len="med"/>
+                    </a:lnR>
+                    <a:lnT w="9525" cap="flat" cmpd="sng" algn="ctr">
+                      <a:solidFill>
+                        <a:srgbClr val="D1D9E0"/>
+                      </a:solidFill>
+                      <a:prstDash val="solid"/>
+                      <a:round/>
+                      <a:headEnd type="none" w="med" len="med"/>
+                      <a:tailEnd type="none" w="med" len="med"/>
+                    </a:lnT>
+                    <a:lnB w="9525" cap="flat" cmpd="sng" algn="ctr">
+                      <a:solidFill>
+                        <a:srgbClr val="D1D9E0"/>
+                      </a:solidFill>
+                      <a:prstDash val="solid"/>
+                      <a:round/>
+                      <a:headEnd type="none" w="med" len="med"/>
+                      <a:tailEnd type="none" w="med" len="med"/>
+                    </a:lnB>
+                    <a:solidFill>
+                      <a:srgbClr val="F6F8FA"/>
+                    </a:solidFill>
+                  </a:tcPr>
+                </a:tc>
+                <a:tc>
+                  <a:txBody>
+                    <a:bodyPr/>
+                    <a:lstStyle/>
+                    <a:p>
+                      <a:pPr>
+                        <a:buNone/>
+                      </a:pPr>
+                      <a:endParaRPr lang="en-US" sz="1500" dirty="0">
+                        <a:effectLst/>
+                      </a:endParaRPr>
+                    </a:p>
+                  </a:txBody>
+                  <a:tcPr marL="103978" marR="103978" marT="47990" marB="47990" anchor="ctr">
+                    <a:lnL w="9525" cap="flat" cmpd="sng" algn="ctr">
+                      <a:solidFill>
+                        <a:srgbClr val="D1D9E0"/>
+                      </a:solidFill>
+                      <a:prstDash val="solid"/>
+                      <a:round/>
+                      <a:headEnd type="none" w="med" len="med"/>
+                      <a:tailEnd type="none" w="med" len="med"/>
+                    </a:lnL>
+                    <a:lnR w="9525" cap="flat" cmpd="sng" algn="ctr">
+                      <a:solidFill>
+                        <a:srgbClr val="D1D9E0"/>
+                      </a:solidFill>
+                      <a:prstDash val="solid"/>
+                      <a:round/>
+                      <a:headEnd type="none" w="med" len="med"/>
+                      <a:tailEnd type="none" w="med" len="med"/>
+                    </a:lnR>
+                    <a:lnT w="9525" cap="flat" cmpd="sng" algn="ctr">
+                      <a:solidFill>
+                        <a:srgbClr val="D1D9E0"/>
+                      </a:solidFill>
+                      <a:prstDash val="solid"/>
+                      <a:round/>
+                      <a:headEnd type="none" w="med" len="med"/>
+                      <a:tailEnd type="none" w="med" len="med"/>
+                    </a:lnT>
+                    <a:lnB w="9525" cap="flat" cmpd="sng" algn="ctr">
+                      <a:solidFill>
+                        <a:srgbClr val="D1D9E0"/>
+                      </a:solidFill>
+                      <a:prstDash val="solid"/>
+                      <a:round/>
+                      <a:headEnd type="none" w="med" len="med"/>
+                      <a:tailEnd type="none" w="med" len="med"/>
+                    </a:lnB>
+                    <a:solidFill>
+                      <a:srgbClr val="F6F8FA"/>
+                    </a:solidFill>
+                  </a:tcPr>
+                </a:tc>
+                <a:extLst>
+                  <a:ext uri="{0D108BD9-81ED-4DB2-BD59-A6C34878D82A}">
+                    <a16:rowId xmlns:a16="http://schemas.microsoft.com/office/drawing/2014/main" val="1332747845"/>
+                  </a:ext>
+                </a:extLst>
+              </a:tr>
+            </a:tbl>
+          </a:graphicData>
+        </a:graphic>
+      </p:graphicFrame>
+      <p:sp>
+        <p:nvSpPr>
+          <p:cNvPr id="6" name="Rectangle 1">
+            <a:extLst>
+              <a:ext uri="{FF2B5EF4-FFF2-40B4-BE49-F238E27FC236}">
+                <a16:creationId xmlns:a16="http://schemas.microsoft.com/office/drawing/2014/main" id="{A476CF71-D3C9-5D23-C9CC-901063E32E75}"/>
+              </a:ext>
+            </a:extLst>
+          </p:cNvPr>
+          <p:cNvSpPr>
+            <a:spLocks noChangeArrowheads="1"/>
+          </p:cNvSpPr>
+          <p:nvPr/>
+        </p:nvSpPr>
+        <p:spPr bwMode="auto">
           <a:xfrm>
-            <a:off x="768578" y="1777088"/>
-            <a:ext cx="7090908" cy="2031325"/>
+            <a:off x="1066800" y="1303338"/>
+            <a:ext cx="9144000" cy="0"/>
           </a:xfrm>
           <a:prstGeom prst="rect">
             <a:avLst/>
           </a:prstGeom>
-          <a:noFill/>
+          <a:solidFill>
+            <a:srgbClr val="FFFFFF"/>
+          </a:solidFill>
+          <a:ln>
+            <a:noFill/>
+          </a:ln>
+          <a:effectLst/>
+          <a:extLst>
+            <a:ext uri="{91240B29-F687-4F45-9708-019B960494DF}">
+              <a14:hiddenLine xmlns:a14="http://schemas.microsoft.com/office/drawing/2010/main" w="9525">
+                <a:solidFill>
+                  <a:schemeClr val="tx1"/>
+                </a:solidFill>
+                <a:miter lim="800000"/>
+                <a:headEnd/>
+                <a:tailEnd/>
+              </a14:hiddenLine>
+            </a:ext>
+            <a:ext uri="{AF507438-7753-43E0-B8FC-AC1667EBCBE1}">
+              <a14:hiddenEffects xmlns:a14="http://schemas.microsoft.com/office/drawing/2010/main">
+                <a:effectLst>
+                  <a:outerShdw dist="35921" dir="2700000" algn="ctr" rotWithShape="0">
+                    <a:schemeClr val="bg2"/>
+                  </a:outerShdw>
+                </a:effectLst>
+              </a14:hiddenEffects>
+            </a:ext>
+          </a:extLst>
         </p:spPr>
         <p:txBody>
-          <a:bodyPr wrap="square">
+          <a:bodyPr vert="horz" wrap="none" lIns="91440" tIns="45720" rIns="91440" bIns="45720" numCol="1" anchor="ctr" anchorCtr="0" compatLnSpc="1">
+            <a:prstTxWarp prst="textNoShape">
+              <a:avLst/>
+            </a:prstTxWarp>
             <a:spAutoFit/>
           </a:bodyPr>
           <a:lstStyle/>
           <a:p>
-            <a:pPr algn="l"/>
-            <a:r>
-              <a:rPr lang="en-US" b="1" i="1" dirty="0">
+            <a:pPr marL="0" marR="0" lvl="0" indent="0" algn="l" defTabSz="914400" rtl="0" eaLnBrk="0" fontAlgn="base" latinLnBrk="0" hangingPunct="0">
+              <a:lnSpc>
+                <a:spcPct val="100000"/>
+              </a:lnSpc>
+              <a:spcBef>
+                <a:spcPct val="0"/>
+              </a:spcBef>
+              <a:spcAft>
+                <a:spcPct val="0"/>
+              </a:spcAft>
+              <a:buClrTx/>
+              <a:buSzTx/>
+              <a:buFontTx/>
+              <a:buNone/>
+              <a:tabLst/>
+            </a:pPr>
+            <a:br>
+              <a:rPr kumimoji="0" lang="en-US" altLang="en-US" sz="1200" b="0" i="0" u="none" strike="noStrike" cap="none" normalizeH="0" baseline="0">
+                <a:ln>
+                  <a:noFill/>
+                </a:ln>
                 <a:solidFill>
-                  <a:srgbClr val="363636"/>
+                  <a:srgbClr val="1F2328"/>
                 </a:solidFill>
                 <a:effectLst/>
-                <a:latin typeface="-apple-system"/>
+                <a:latin typeface="Arial" panose="020B0604020202020204" pitchFamily="34" charset="0"/>
+                <a:ea typeface="-apple-system"/>
               </a:rPr>
-              <a:t>08:00-08:20</a:t>
-            </a:r>
-            <a:r>
-              <a:rPr lang="en-US" b="0" i="0" dirty="0">
-                <a:solidFill>
-                  <a:srgbClr val="6F6F6F"/>
-                </a:solidFill>
-                <a:effectLst/>
-                <a:latin typeface="-apple-system"/>
-              </a:rPr>
-              <a:t> | </a:t>
-            </a:r>
-            <a:r>
-              <a:rPr lang="en-US" b="1" i="0" dirty="0">
-                <a:solidFill>
-                  <a:srgbClr val="363636"/>
-                </a:solidFill>
-                <a:effectLst/>
-                <a:latin typeface="-apple-system"/>
-              </a:rPr>
-              <a:t>Introduction and GPU Background</a:t>
-            </a:r>
-            <a:endParaRPr lang="en-US" b="0" i="0" dirty="0">
+            </a:br>
+            <a:endParaRPr kumimoji="0" lang="en-US" altLang="en-US" sz="1800" b="0" i="0" u="none" strike="noStrike" cap="none" normalizeH="0" baseline="0">
+              <a:ln>
+                <a:noFill/>
+              </a:ln>
               <a:solidFill>
-                <a:srgbClr val="6F6F6F"/>
+                <a:schemeClr val="tx1"/>
               </a:solidFill>
               <a:effectLst/>
-              <a:latin typeface="-apple-system"/>
+              <a:latin typeface="Arial" panose="020B0604020202020204" pitchFamily="34" charset="0"/>
             </a:endParaRPr>
-          </a:p>
-          <a:p>
-            <a:pPr algn="l"/>
-            <a:r>
-              <a:rPr lang="en-US" b="1" i="1" dirty="0">
-                <a:solidFill>
-                  <a:srgbClr val="363636"/>
-                </a:solidFill>
-                <a:effectLst/>
-                <a:latin typeface="-apple-system"/>
-              </a:rPr>
-              <a:t>08:20-09:20</a:t>
-            </a:r>
-            <a:r>
-              <a:rPr lang="en-US" b="0" i="0" dirty="0">
-                <a:solidFill>
-                  <a:srgbClr val="6F6F6F"/>
-                </a:solidFill>
-                <a:effectLst/>
-                <a:latin typeface="-apple-system"/>
-              </a:rPr>
-              <a:t> | </a:t>
-            </a:r>
-            <a:r>
-              <a:rPr lang="en-US" b="1" i="0" dirty="0">
-                <a:solidFill>
-                  <a:srgbClr val="363636"/>
-                </a:solidFill>
-                <a:effectLst/>
-                <a:latin typeface="-apple-system"/>
-              </a:rPr>
-              <a:t>Vortex Microarchitecture and Software Stack</a:t>
-            </a:r>
-            <a:endParaRPr lang="en-US" b="0" i="0" dirty="0">
-              <a:solidFill>
-                <a:srgbClr val="6F6F6F"/>
-              </a:solidFill>
-              <a:effectLst/>
-              <a:latin typeface="-apple-system"/>
-            </a:endParaRPr>
-          </a:p>
-          <a:p>
-            <a:pPr algn="l"/>
-            <a:r>
-              <a:rPr lang="en-US" b="1" i="1" dirty="0">
-                <a:solidFill>
-                  <a:srgbClr val="363636"/>
-                </a:solidFill>
-                <a:effectLst/>
-                <a:latin typeface="-apple-system"/>
-              </a:rPr>
-              <a:t>09:20-09:40</a:t>
-            </a:r>
-            <a:r>
-              <a:rPr lang="en-US" b="0" i="0" dirty="0">
-                <a:solidFill>
-                  <a:srgbClr val="6F6F6F"/>
-                </a:solidFill>
-                <a:effectLst/>
-                <a:latin typeface="-apple-system"/>
-              </a:rPr>
-              <a:t> | </a:t>
-            </a:r>
-            <a:r>
-              <a:rPr lang="en-US" b="1" i="0" dirty="0" err="1">
-                <a:solidFill>
-                  <a:srgbClr val="363636"/>
-                </a:solidFill>
-                <a:effectLst/>
-                <a:latin typeface="-apple-system"/>
-              </a:rPr>
-              <a:t>CuPBoP</a:t>
-            </a:r>
-            <a:r>
-              <a:rPr lang="en-US" b="1" i="0" dirty="0">
-                <a:solidFill>
-                  <a:srgbClr val="363636"/>
-                </a:solidFill>
-                <a:effectLst/>
-                <a:latin typeface="-apple-system"/>
-              </a:rPr>
-              <a:t>: Running OpenCL/CUDA on Vortex</a:t>
-            </a:r>
-            <a:endParaRPr lang="en-US" b="0" i="0" dirty="0">
-              <a:solidFill>
-                <a:srgbClr val="6F6F6F"/>
-              </a:solidFill>
-              <a:effectLst/>
-              <a:latin typeface="-apple-system"/>
-            </a:endParaRPr>
-          </a:p>
-          <a:p>
-            <a:pPr algn="l"/>
-            <a:r>
-              <a:rPr lang="en-US" b="1" i="1" dirty="0">
-                <a:solidFill>
-                  <a:srgbClr val="363636"/>
-                </a:solidFill>
-                <a:effectLst/>
-                <a:latin typeface="-apple-system"/>
-              </a:rPr>
-              <a:t>09:40-10:00</a:t>
-            </a:r>
-            <a:r>
-              <a:rPr lang="en-US" b="0" i="0" dirty="0">
-                <a:solidFill>
-                  <a:srgbClr val="6F6F6F"/>
-                </a:solidFill>
-                <a:effectLst/>
-                <a:latin typeface="-apple-system"/>
-              </a:rPr>
-              <a:t> | </a:t>
-            </a:r>
-            <a:r>
-              <a:rPr lang="en-US" b="1" i="0" dirty="0">
-                <a:solidFill>
-                  <a:srgbClr val="363636"/>
-                </a:solidFill>
-                <a:effectLst/>
-                <a:latin typeface="-apple-system"/>
-              </a:rPr>
-              <a:t>Q&amp;A Session</a:t>
-            </a:r>
-            <a:endParaRPr lang="en-US" b="0" i="0" dirty="0">
-              <a:solidFill>
-                <a:srgbClr val="6F6F6F"/>
-              </a:solidFill>
-              <a:effectLst/>
-              <a:latin typeface="-apple-system"/>
-            </a:endParaRPr>
-          </a:p>
-          <a:p>
-            <a:pPr algn="l"/>
-            <a:r>
-              <a:rPr lang="en-US" b="1" i="1" dirty="0">
-                <a:solidFill>
-                  <a:srgbClr val="363636"/>
-                </a:solidFill>
-                <a:effectLst/>
-                <a:latin typeface="-apple-system"/>
-              </a:rPr>
-              <a:t>10:00-10:20</a:t>
-            </a:r>
-            <a:r>
-              <a:rPr lang="en-US" b="0" i="0" dirty="0">
-                <a:solidFill>
-                  <a:srgbClr val="6F6F6F"/>
-                </a:solidFill>
-                <a:effectLst/>
-                <a:latin typeface="-apple-system"/>
-              </a:rPr>
-              <a:t> | </a:t>
-            </a:r>
-            <a:r>
-              <a:rPr lang="en-US" b="1" i="0" dirty="0">
-                <a:solidFill>
-                  <a:srgbClr val="363636"/>
-                </a:solidFill>
-                <a:effectLst/>
-                <a:latin typeface="-apple-system"/>
-              </a:rPr>
-              <a:t>Coffee Break</a:t>
-            </a:r>
-            <a:endParaRPr lang="en-US" b="0" i="0" dirty="0">
-              <a:solidFill>
-                <a:srgbClr val="6F6F6F"/>
-              </a:solidFill>
-              <a:effectLst/>
-              <a:latin typeface="-apple-system"/>
-            </a:endParaRPr>
-          </a:p>
-          <a:p>
-            <a:pPr algn="l"/>
-            <a:r>
-              <a:rPr lang="en-US" b="1" i="1" dirty="0">
-                <a:solidFill>
-                  <a:srgbClr val="363636"/>
-                </a:solidFill>
-                <a:effectLst/>
-                <a:latin typeface="-apple-system"/>
-              </a:rPr>
-              <a:t>10:20-11:00</a:t>
-            </a:r>
-            <a:r>
-              <a:rPr lang="en-US" b="0" i="0" dirty="0">
-                <a:solidFill>
-                  <a:srgbClr val="6F6F6F"/>
-                </a:solidFill>
-                <a:effectLst/>
-                <a:latin typeface="-apple-system"/>
-              </a:rPr>
-              <a:t> | </a:t>
-            </a:r>
-            <a:r>
-              <a:rPr lang="en-US" b="1" i="0" dirty="0">
-                <a:solidFill>
-                  <a:srgbClr val="363636"/>
-                </a:solidFill>
-                <a:effectLst/>
-                <a:latin typeface="-apple-system"/>
-              </a:rPr>
-              <a:t>Tutorial Assignments / Hands-on Exercises</a:t>
-            </a:r>
-            <a:endParaRPr lang="en-US" b="0" i="0" dirty="0">
-              <a:solidFill>
-                <a:srgbClr val="6F6F6F"/>
-              </a:solidFill>
-              <a:effectLst/>
-              <a:latin typeface="-apple-system"/>
-            </a:endParaRPr>
-          </a:p>
-          <a:p>
-            <a:pPr algn="l"/>
-            <a:r>
-              <a:rPr lang="en-US" b="1" i="1" dirty="0">
-                <a:solidFill>
-                  <a:srgbClr val="363636"/>
-                </a:solidFill>
-                <a:effectLst/>
-                <a:latin typeface="-apple-system"/>
-              </a:rPr>
-              <a:t>11:00-12:00</a:t>
-            </a:r>
-            <a:r>
-              <a:rPr lang="en-US" b="0" i="0" dirty="0">
-                <a:solidFill>
-                  <a:srgbClr val="6F6F6F"/>
-                </a:solidFill>
-                <a:effectLst/>
-                <a:latin typeface="-apple-system"/>
-              </a:rPr>
-              <a:t> | </a:t>
-            </a:r>
-            <a:r>
-              <a:rPr lang="en-US" b="1" i="0" dirty="0">
-                <a:solidFill>
-                  <a:srgbClr val="363636"/>
-                </a:solidFill>
-                <a:effectLst/>
-                <a:latin typeface="-apple-system"/>
-              </a:rPr>
-              <a:t>Vortex Workshop Presentations </a:t>
-            </a:r>
-            <a:r>
-              <a:rPr lang="en-US" b="1" i="1" dirty="0">
-                <a:solidFill>
-                  <a:srgbClr val="363636"/>
-                </a:solidFill>
-                <a:effectLst/>
-                <a:latin typeface="-apple-system"/>
-              </a:rPr>
-              <a:t>(3 Speakers)</a:t>
-            </a:r>
-            <a:endParaRPr lang="en-US" b="0" i="0" dirty="0">
-              <a:solidFill>
-                <a:srgbClr val="6F6F6F"/>
-              </a:solidFill>
-              <a:effectLst/>
-              <a:latin typeface="-apple-system"/>
-            </a:endParaRPr>
-          </a:p>
-        </p:txBody>
-      </p:sp>
-      <p:sp>
-        <p:nvSpPr>
-          <p:cNvPr id="8" name="Content Placeholder 7">
-            <a:extLst>
-              <a:ext uri="{FF2B5EF4-FFF2-40B4-BE49-F238E27FC236}">
-                <a16:creationId xmlns:a16="http://schemas.microsoft.com/office/drawing/2014/main" id="{8E8B35DA-A4B9-6AC6-D5A5-D0186662DB1E}"/>
-              </a:ext>
-            </a:extLst>
-          </p:cNvPr>
-          <p:cNvSpPr>
-            <a:spLocks noGrp="1"/>
-          </p:cNvSpPr>
-          <p:nvPr>
-            <p:ph idx="1"/>
-          </p:nvPr>
-        </p:nvSpPr>
-        <p:spPr/>
-        <p:txBody>
-          <a:bodyPr/>
-          <a:lstStyle/>
-          <a:p>
-            <a:endParaRPr lang="en-US" dirty="0"/>
           </a:p>
         </p:txBody>
       </p:sp>
@@ -9911,24 +11831,26 @@
             </a:r>
           </a:p>
           <a:p>
-            <a:pPr lvl="1"/>
+            <a:pPr marL="457200" lvl="1" indent="0">
+              <a:buNone/>
+            </a:pPr>
             <a:r>
               <a:rPr lang="en-US" sz="2400" dirty="0">
                 <a:ea typeface="+mn-lt"/>
                 <a:cs typeface="+mn-lt"/>
+                <a:hlinkClick r:id="rId2"/>
               </a:rPr>
-              <a:t>Password: </a:t>
-            </a:r>
-            <a:r>
-              <a:rPr lang="en-US" sz="1600" b="0" i="0" dirty="0">
-                <a:effectLst/>
-                <a:latin typeface="-apple-system"/>
-              </a:rPr>
-              <a:t>: vortex@MICRO24</a:t>
-            </a:r>
-          </a:p>
-          <a:p>
-            <a:pPr lvl="1"/>
+              <a:t>https://github.com/vortexgpgpu/vortex_tutorials/blob/main/REMOTE_ACCESS.md</a:t>
+            </a:r>
+            <a:endParaRPr lang="en-US" sz="2400" dirty="0">
+              <a:ea typeface="+mn-lt"/>
+              <a:cs typeface="+mn-lt"/>
+            </a:endParaRPr>
+          </a:p>
+          <a:p>
+            <a:pPr marL="457200" lvl="1" indent="0">
+              <a:buNone/>
+            </a:pPr>
             <a:endParaRPr lang="en-US" sz="2400" dirty="0">
               <a:ea typeface="+mn-lt"/>
               <a:cs typeface="+mn-lt"/>
@@ -9989,6 +11911,154 @@
     <p:extLst>
       <p:ext uri="{BB962C8B-B14F-4D97-AF65-F5344CB8AC3E}">
         <p14:creationId xmlns:p14="http://schemas.microsoft.com/office/powerpoint/2010/main" val="237790557"/>
+      </p:ext>
+    </p:extLst>
+  </p:cSld>
+  <p:clrMapOvr>
+    <a:masterClrMapping/>
+  </p:clrMapOvr>
+  <p:transition>
+    <p:fade/>
+  </p:transition>
+</p:sld>
+</file>
+
+<file path=ppt/slides/slide5.xml><?xml version="1.0" encoding="utf-8"?>
+<p:sld xmlns:a="http://schemas.openxmlformats.org/drawingml/2006/main" xmlns:r="http://schemas.openxmlformats.org/officeDocument/2006/relationships" xmlns:p="http://schemas.openxmlformats.org/presentationml/2006/main">
+  <p:cSld>
+    <p:spTree>
+      <p:nvGrpSpPr>
+        <p:cNvPr id="1" name=""/>
+        <p:cNvGrpSpPr/>
+        <p:nvPr/>
+      </p:nvGrpSpPr>
+      <p:grpSpPr>
+        <a:xfrm>
+          <a:off x="0" y="0"/>
+          <a:ext cx="0" cy="0"/>
+          <a:chOff x="0" y="0"/>
+          <a:chExt cx="0" cy="0"/>
+        </a:xfrm>
+      </p:grpSpPr>
+      <p:sp>
+        <p:nvSpPr>
+          <p:cNvPr id="2" name="Title 1">
+            <a:extLst>
+              <a:ext uri="{FF2B5EF4-FFF2-40B4-BE49-F238E27FC236}">
+                <a16:creationId xmlns:a16="http://schemas.microsoft.com/office/drawing/2014/main" id="{DD10293F-27B2-2BD3-8936-86CE1EE10A1E}"/>
+              </a:ext>
+            </a:extLst>
+          </p:cNvPr>
+          <p:cNvSpPr>
+            <a:spLocks noGrp="1"/>
+          </p:cNvSpPr>
+          <p:nvPr>
+            <p:ph type="title"/>
+          </p:nvPr>
+        </p:nvSpPr>
+        <p:spPr/>
+        <p:txBody>
+          <a:bodyPr/>
+          <a:lstStyle/>
+          <a:p>
+            <a:r>
+              <a:rPr lang="en-US" dirty="0"/>
+              <a:t>Mailing list and Developer’s Meeting</a:t>
+            </a:r>
+          </a:p>
+        </p:txBody>
+      </p:sp>
+      <p:sp>
+        <p:nvSpPr>
+          <p:cNvPr id="3" name="Content Placeholder 2">
+            <a:extLst>
+              <a:ext uri="{FF2B5EF4-FFF2-40B4-BE49-F238E27FC236}">
+                <a16:creationId xmlns:a16="http://schemas.microsoft.com/office/drawing/2014/main" id="{128304DA-C4E7-CFC4-C410-8284276142FF}"/>
+              </a:ext>
+            </a:extLst>
+          </p:cNvPr>
+          <p:cNvSpPr>
+            <a:spLocks noGrp="1"/>
+          </p:cNvSpPr>
+          <p:nvPr>
+            <p:ph idx="1"/>
+          </p:nvPr>
+        </p:nvSpPr>
+        <p:spPr/>
+        <p:txBody>
+          <a:bodyPr/>
+          <a:lstStyle/>
+          <a:p>
+            <a:r>
+              <a:rPr lang="en-US" dirty="0"/>
+              <a:t>Please join: </a:t>
+            </a:r>
+            <a:r>
+              <a:rPr lang="en-US" u="sng" dirty="0">
+                <a:hlinkClick r:id="rId2"/>
+              </a:rPr>
+              <a:t>https://docs.google.com/forms/d/1r8E-Yo5NwA45Hi3-kEwte4AxK0mBsYDwgjM6Bul4so0/edit</a:t>
+            </a:r>
+            <a:endParaRPr lang="en-US" u="sng" dirty="0"/>
+          </a:p>
+          <a:p>
+            <a:endParaRPr lang="en-US" u="sng" dirty="0"/>
+          </a:p>
+          <a:p>
+            <a:r>
+              <a:rPr lang="en-US" u="sng" dirty="0"/>
+              <a:t>Developer’s Meeting : Typically first Wed 5 pm PT/8pmET/9amKST </a:t>
+            </a:r>
+          </a:p>
+          <a:p>
+            <a:r>
+              <a:rPr lang="en-US" u="sng" dirty="0"/>
+              <a:t>Zoom link is posted in the vortex discussion </a:t>
+            </a:r>
+            <a:endParaRPr lang="en-US" dirty="0"/>
+          </a:p>
+        </p:txBody>
+      </p:sp>
+      <p:sp>
+        <p:nvSpPr>
+          <p:cNvPr id="4" name="Footer Placeholder 3">
+            <a:extLst>
+              <a:ext uri="{FF2B5EF4-FFF2-40B4-BE49-F238E27FC236}">
+                <a16:creationId xmlns:a16="http://schemas.microsoft.com/office/drawing/2014/main" id="{CC13C538-277F-C4B2-9C3A-D0F2C0E99E55}"/>
+              </a:ext>
+            </a:extLst>
+          </p:cNvPr>
+          <p:cNvSpPr>
+            <a:spLocks noGrp="1"/>
+          </p:cNvSpPr>
+          <p:nvPr>
+            <p:ph type="ftr" sz="quarter" idx="10"/>
+          </p:nvPr>
+        </p:nvSpPr>
+        <p:spPr/>
+        <p:txBody>
+          <a:bodyPr/>
+          <a:lstStyle/>
+          <a:p>
+            <a:pPr>
+              <a:defRPr/>
+            </a:pPr>
+            <a:r>
+              <a:rPr lang="en-US">
+                <a:solidFill>
+                  <a:srgbClr val="000000"/>
+                </a:solidFill>
+                <a:latin typeface="AUdimat"/>
+              </a:rPr>
+              <a:t> </a:t>
+            </a:r>
+          </a:p>
+        </p:txBody>
+      </p:sp>
+    </p:spTree>
+    <p:extLst>
+      <p:ext uri="{BB962C8B-B14F-4D97-AF65-F5344CB8AC3E}">
+        <p14:creationId xmlns:p14="http://schemas.microsoft.com/office/powerpoint/2010/main" val="3894884894"/>
       </p:ext>
     </p:extLst>
   </p:cSld>
@@ -11630,15 +13700,6 @@
 </file>
 
 <file path=customXml/item1.xml><?xml version="1.0" encoding="utf-8"?>
-<?mso-contentType ?>
-<FormTemplates xmlns="http://schemas.microsoft.com/sharepoint/v3/contenttype/forms">
-  <Display>DocumentLibraryForm</Display>
-  <Edit>DocumentLibraryForm</Edit>
-  <New>DocumentLibraryForm</New>
-</FormTemplates>
-</file>
-
-<file path=customXml/item2.xml><?xml version="1.0" encoding="utf-8"?>
 <ct:contentTypeSchema xmlns:ct="http://schemas.microsoft.com/office/2006/metadata/contentType" xmlns:ma="http://schemas.microsoft.com/office/2006/metadata/properties/metaAttributes" ct:_="" ma:_="" ma:contentTypeName="Document" ma:contentTypeID="0x010100AAFB5C5C43C8E84ABE433E05E59A4B5B" ma:contentTypeVersion="16" ma:contentTypeDescription="Create a new document." ma:contentTypeScope="" ma:versionID="6b8a0fa360fb8d3f571bc110c37013b7">
   <xsd:schema xmlns:xsd="http://www.w3.org/2001/XMLSchema" xmlns:xs="http://www.w3.org/2001/XMLSchema" xmlns:p="http://schemas.microsoft.com/office/2006/metadata/properties" xmlns:ns2="f01fee57-14a4-4fb3-a7a7-17af854556b0" xmlns:ns3="703aaed8-5f35-4ebd-8684-7d64e521d80b" targetNamespace="http://schemas.microsoft.com/office/2006/metadata/properties" ma:root="true" ma:fieldsID="5b022065d69465c928b5cf201fd4a313" ns2:_="" ns3:_="">
     <xsd:import namespace="f01fee57-14a4-4fb3-a7a7-17af854556b0"/>
@@ -11881,7 +13942,7 @@
 </ct:contentTypeSchema>
 </file>
 
-<file path=customXml/item3.xml><?xml version="1.0" encoding="utf-8"?>
+<file path=customXml/item2.xml><?xml version="1.0" encoding="utf-8"?>
 <p:properties xmlns:p="http://schemas.microsoft.com/office/2006/metadata/properties" xmlns:xsi="http://www.w3.org/2001/XMLSchema-instance" xmlns:pc="http://schemas.microsoft.com/office/infopath/2007/PartnerControls">
   <documentManagement>
     <TaxCatchAll xmlns="703aaed8-5f35-4ebd-8684-7d64e521d80b" xsi:nil="true"/>
@@ -11892,15 +13953,16 @@
 </p:properties>
 </file>
 
-<file path=customXml/itemProps1.xml><?xml version="1.0" encoding="utf-8"?>
-<ds:datastoreItem xmlns:ds="http://schemas.openxmlformats.org/officeDocument/2006/customXml" ds:itemID="{B1D8BB32-E885-4B8F-AC31-D4995907315A}">
-  <ds:schemaRefs>
-    <ds:schemaRef ds:uri="http://schemas.microsoft.com/sharepoint/v3/contenttype/forms"/>
-  </ds:schemaRefs>
-</ds:datastoreItem>
+<file path=customXml/item3.xml><?xml version="1.0" encoding="utf-8"?>
+<?mso-contentType ?>
+<FormTemplates xmlns="http://schemas.microsoft.com/sharepoint/v3/contenttype/forms">
+  <Display>DocumentLibraryForm</Display>
+  <Edit>DocumentLibraryForm</Edit>
+  <New>DocumentLibraryForm</New>
+</FormTemplates>
 </file>
 
-<file path=customXml/itemProps2.xml><?xml version="1.0" encoding="utf-8"?>
+<file path=customXml/itemProps1.xml><?xml version="1.0" encoding="utf-8"?>
 <ds:datastoreItem xmlns:ds="http://schemas.openxmlformats.org/officeDocument/2006/customXml" ds:itemID="{8273A88A-683A-4123-B80C-E147B02EE646}">
   <ds:schemaRefs>
     <ds:schemaRef ds:uri="http://schemas.microsoft.com/office/2006/metadata/contentType"/>
@@ -11919,7 +13981,7 @@
 </ds:datastoreItem>
 </file>
 
-<file path=customXml/itemProps3.xml><?xml version="1.0" encoding="utf-8"?>
+<file path=customXml/itemProps2.xml><?xml version="1.0" encoding="utf-8"?>
 <ds:datastoreItem xmlns:ds="http://schemas.openxmlformats.org/officeDocument/2006/customXml" ds:itemID="{19D0140C-BF33-476E-9327-09381A5C2EEE}">
   <ds:schemaRefs>
     <ds:schemaRef ds:uri="http://schemas.microsoft.com/office/2006/metadata/properties"/>
@@ -11928,4 +13990,12 @@
     <ds:schemaRef ds:uri="f01fee57-14a4-4fb3-a7a7-17af854556b0"/>
   </ds:schemaRefs>
 </ds:datastoreItem>
+</file>
+
+<file path=customXml/itemProps3.xml><?xml version="1.0" encoding="utf-8"?>
+<ds:datastoreItem xmlns:ds="http://schemas.openxmlformats.org/officeDocument/2006/customXml" ds:itemID="{B1D8BB32-E885-4B8F-AC31-D4995907315A}">
+  <ds:schemaRefs>
+    <ds:schemaRef ds:uri="http://schemas.microsoft.com/sharepoint/v3/contenttype/forms"/>
+  </ds:schemaRefs>
+</ds:datastoreItem>
 </file>